--- a/Graph model.pptx
+++ b/Graph model.pptx
@@ -5,7 +5,7 @@
     <p:sldMasterId id="2147483648" r:id="rId1"/>
   </p:sldMasterIdLst>
   <p:notesMasterIdLst>
-    <p:notesMasterId r:id="rId9"/>
+    <p:notesMasterId r:id="rId10"/>
   </p:notesMasterIdLst>
   <p:sldIdLst>
     <p:sldId id="256" r:id="rId2"/>
@@ -14,7 +14,8 @@
     <p:sldId id="262" r:id="rId5"/>
     <p:sldId id="259" r:id="rId6"/>
     <p:sldId id="261" r:id="rId7"/>
-    <p:sldId id="260" r:id="rId8"/>
+    <p:sldId id="263" r:id="rId8"/>
+    <p:sldId id="260" r:id="rId9"/>
   </p:sldIdLst>
   <p:sldSz cx="12192000" cy="6858000"/>
   <p:notesSz cx="6858000" cy="9144000"/>
@@ -536,7 +537,7 @@
           <a:p>
             <a:fld id="{44382123-9074-BE42-8FA3-8EAF6F80ACE6}" type="slidenum">
               <a:rPr kumimoji="1" lang="zh-CN" altLang="en-US" smtClean="0"/>
-              <a:t>7</a:t>
+              <a:t>8</a:t>
             </a:fld>
             <a:endParaRPr kumimoji="1" lang="zh-CN" altLang="en-US"/>
           </a:p>
@@ -8139,6 +8140,173 @@
 </file>
 
 <file path=ppt/slides/slide7.xml><?xml version="1.0" encoding="utf-8"?>
+<p:sld xmlns:a="http://schemas.openxmlformats.org/drawingml/2006/main" xmlns:r="http://schemas.openxmlformats.org/officeDocument/2006/relationships" xmlns:p="http://schemas.openxmlformats.org/presentationml/2006/main">
+  <p:cSld>
+    <p:spTree>
+      <p:nvGrpSpPr>
+        <p:cNvPr id="1" name=""/>
+        <p:cNvGrpSpPr/>
+        <p:nvPr/>
+      </p:nvGrpSpPr>
+      <p:grpSpPr>
+        <a:xfrm>
+          <a:off x="0" y="0"/>
+          <a:ext cx="0" cy="0"/>
+          <a:chOff x="0" y="0"/>
+          <a:chExt cx="0" cy="0"/>
+        </a:xfrm>
+      </p:grpSpPr>
+      <p:sp>
+        <p:nvSpPr>
+          <p:cNvPr id="2" name="标题 1"/>
+          <p:cNvSpPr>
+            <a:spLocks noGrp="1"/>
+          </p:cNvSpPr>
+          <p:nvPr>
+            <p:ph type="title"/>
+          </p:nvPr>
+        </p:nvSpPr>
+        <p:spPr/>
+        <p:txBody>
+          <a:bodyPr/>
+          <a:lstStyle/>
+          <a:p>
+            <a:endParaRPr kumimoji="1" lang="zh-CN" altLang="en-US"/>
+          </a:p>
+        </p:txBody>
+      </p:sp>
+      <p:sp>
+        <p:nvSpPr>
+          <p:cNvPr id="3" name="内容占位符 2"/>
+          <p:cNvSpPr>
+            <a:spLocks noGrp="1"/>
+          </p:cNvSpPr>
+          <p:nvPr>
+            <p:ph idx="1"/>
+          </p:nvPr>
+        </p:nvSpPr>
+        <p:spPr/>
+        <p:txBody>
+          <a:bodyPr>
+            <a:normAutofit lnSpcReduction="10000"/>
+          </a:bodyPr>
+          <a:lstStyle/>
+          <a:p>
+            <a:r>
+              <a:rPr kumimoji="1" lang="en-US" altLang="zh-CN" dirty="0" smtClean="0"/>
+              <a:t>Template T</a:t>
+            </a:r>
+            <a:r>
+              <a:rPr kumimoji="1" lang="zh-CN" altLang="en-US" dirty="0" smtClean="0"/>
+              <a:t> 的每个变量在</a:t>
+            </a:r>
+            <a:r>
+              <a:rPr kumimoji="1" lang="en-US" altLang="zh-CN" dirty="0" smtClean="0"/>
+              <a:t>T</a:t>
+            </a:r>
+            <a:r>
+              <a:rPr kumimoji="1" lang="zh-CN" altLang="en-US" dirty="0" smtClean="0"/>
+              <a:t>的实例</a:t>
+            </a:r>
+            <a:r>
+              <a:rPr kumimoji="1" lang="en-US" altLang="zh-CN" dirty="0" smtClean="0"/>
+              <a:t>t   </a:t>
+            </a:r>
+            <a:r>
+              <a:rPr kumimoji="1" lang="zh-CN" altLang="en-US" dirty="0" smtClean="0"/>
+              <a:t>中都有一个副本。</a:t>
+            </a:r>
+            <a:endParaRPr kumimoji="1" lang="en-US" altLang="zh-CN" dirty="0" smtClean="0"/>
+          </a:p>
+          <a:p>
+            <a:endParaRPr kumimoji="1" lang="en-US" altLang="zh-CN" dirty="0"/>
+          </a:p>
+          <a:p>
+            <a:r>
+              <a:rPr kumimoji="1" lang="en-US" altLang="zh-CN" dirty="0" err="1"/>
+              <a:t>e</a:t>
+            </a:r>
+            <a:r>
+              <a:rPr kumimoji="1" lang="en-US" altLang="zh-CN" dirty="0" err="1" smtClean="0"/>
+              <a:t>num</a:t>
+            </a:r>
+            <a:r>
+              <a:rPr kumimoji="1" lang="en-US" altLang="zh-CN" dirty="0" smtClean="0"/>
+              <a:t>  Type{ </a:t>
+            </a:r>
+          </a:p>
+          <a:p>
+            <a:pPr lvl="1"/>
+            <a:r>
+              <a:rPr kumimoji="1" lang="en-US" altLang="zh-CN" dirty="0" err="1" smtClean="0"/>
+              <a:t>Const</a:t>
+            </a:r>
+            <a:r>
+              <a:rPr kumimoji="1" lang="en-US" altLang="zh-CN" dirty="0" smtClean="0"/>
+              <a:t> </a:t>
+            </a:r>
+          </a:p>
+          <a:p>
+            <a:pPr lvl="1"/>
+            <a:r>
+              <a:rPr kumimoji="1" lang="en-US" altLang="zh-CN" dirty="0" smtClean="0"/>
+              <a:t>Parameter </a:t>
+            </a:r>
+          </a:p>
+          <a:p>
+            <a:pPr lvl="1"/>
+            <a:r>
+              <a:rPr kumimoji="1" lang="en-US" altLang="zh-CN" dirty="0" err="1" smtClean="0"/>
+              <a:t>Ref_parameter</a:t>
+            </a:r>
+            <a:endParaRPr kumimoji="1" lang="en-US" altLang="zh-CN" dirty="0" smtClean="0"/>
+          </a:p>
+          <a:p>
+            <a:pPr lvl="1"/>
+            <a:r>
+              <a:rPr kumimoji="1" lang="en-US" altLang="zh-CN" dirty="0" err="1" smtClean="0"/>
+              <a:t>Tempte_id</a:t>
+            </a:r>
+            <a:endParaRPr kumimoji="1" lang="en-US" altLang="zh-CN" dirty="0" smtClean="0"/>
+          </a:p>
+          <a:p>
+            <a:pPr lvl="1"/>
+            <a:r>
+              <a:rPr kumimoji="1" lang="en-US" altLang="zh-CN" dirty="0" err="1" smtClean="0"/>
+              <a:t>Global_id</a:t>
+            </a:r>
+            <a:endParaRPr kumimoji="1" lang="en-US" altLang="zh-CN" dirty="0" smtClean="0"/>
+          </a:p>
+          <a:p>
+            <a:pPr lvl="1"/>
+            <a:r>
+              <a:rPr kumimoji="1" lang="en-US" altLang="zh-CN" dirty="0" err="1" smtClean="0"/>
+              <a:t>Function_value</a:t>
+            </a:r>
+            <a:endParaRPr kumimoji="1" lang="en-US" altLang="zh-CN" dirty="0"/>
+          </a:p>
+          <a:p>
+            <a:r>
+              <a:rPr kumimoji="1" lang="en-US" altLang="zh-CN" dirty="0" smtClean="0"/>
+              <a:t>}</a:t>
+            </a:r>
+          </a:p>
+        </p:txBody>
+      </p:sp>
+    </p:spTree>
+    <p:extLst>
+      <p:ext uri="{BB962C8B-B14F-4D97-AF65-F5344CB8AC3E}">
+        <p14:creationId xmlns:p14="http://schemas.microsoft.com/office/powerpoint/2010/main" val="2096591061"/>
+      </p:ext>
+    </p:extLst>
+  </p:cSld>
+  <p:clrMapOvr>
+    <a:masterClrMapping/>
+  </p:clrMapOvr>
+</p:sld>
+</file>
+
+<file path=ppt/slides/slide8.xml><?xml version="1.0" encoding="utf-8"?>
 <p:sld xmlns:a="http://schemas.openxmlformats.org/drawingml/2006/main" xmlns:r="http://schemas.openxmlformats.org/officeDocument/2006/relationships" xmlns:p="http://schemas.openxmlformats.org/presentationml/2006/main">
   <p:cSld>
     <p:spTree>

--- a/Graph model.pptx
+++ b/Graph model.pptx
@@ -8188,7 +8188,7 @@
         <p:spPr/>
         <p:txBody>
           <a:bodyPr>
-            <a:normAutofit lnSpcReduction="10000"/>
+            <a:normAutofit fontScale="85000" lnSpcReduction="20000"/>
           </a:bodyPr>
           <a:lstStyle/>
           <a:p>
@@ -8223,73 +8223,85 @@
           </a:p>
           <a:p>
             <a:r>
-              <a:rPr kumimoji="1" lang="en-US" altLang="zh-CN" dirty="0" err="1"/>
-              <a:t>e</a:t>
-            </a:r>
-            <a:r>
-              <a:rPr kumimoji="1" lang="en-US" altLang="zh-CN" dirty="0" err="1" smtClean="0"/>
-              <a:t>num</a:t>
-            </a:r>
-            <a:r>
-              <a:rPr kumimoji="1" lang="en-US" altLang="zh-CN" dirty="0" smtClean="0"/>
-              <a:t>  Type{ </a:t>
-            </a:r>
-          </a:p>
-          <a:p>
-            <a:pPr lvl="1"/>
-            <a:r>
-              <a:rPr kumimoji="1" lang="en-US" altLang="zh-CN" dirty="0" err="1" smtClean="0"/>
-              <a:t>Const</a:t>
-            </a:r>
-            <a:r>
-              <a:rPr kumimoji="1" lang="en-US" altLang="zh-CN" dirty="0" smtClean="0"/>
-              <a:t> </a:t>
-            </a:r>
-          </a:p>
-          <a:p>
-            <a:pPr lvl="1"/>
-            <a:r>
-              <a:rPr kumimoji="1" lang="en-US" altLang="zh-CN" dirty="0" smtClean="0"/>
-              <a:t>Parameter </a:t>
-            </a:r>
-          </a:p>
-          <a:p>
-            <a:pPr lvl="1"/>
-            <a:r>
-              <a:rPr kumimoji="1" lang="en-US" altLang="zh-CN" dirty="0" err="1" smtClean="0"/>
-              <a:t>Ref_parameter</a:t>
-            </a:r>
-            <a:endParaRPr kumimoji="1" lang="en-US" altLang="zh-CN" dirty="0" smtClean="0"/>
-          </a:p>
-          <a:p>
-            <a:pPr lvl="1"/>
-            <a:r>
-              <a:rPr kumimoji="1" lang="en-US" altLang="zh-CN" dirty="0" err="1" smtClean="0"/>
-              <a:t>Tempte_id</a:t>
-            </a:r>
-            <a:endParaRPr kumimoji="1" lang="en-US" altLang="zh-CN" dirty="0" smtClean="0"/>
-          </a:p>
-          <a:p>
-            <a:pPr lvl="1"/>
-            <a:r>
-              <a:rPr kumimoji="1" lang="en-US" altLang="zh-CN" dirty="0" err="1" smtClean="0"/>
-              <a:t>Global_id</a:t>
-            </a:r>
-            <a:endParaRPr kumimoji="1" lang="en-US" altLang="zh-CN" dirty="0" smtClean="0"/>
-          </a:p>
-          <a:p>
-            <a:pPr lvl="1"/>
-            <a:r>
-              <a:rPr kumimoji="1" lang="en-US" altLang="zh-CN" dirty="0" err="1" smtClean="0"/>
-              <a:t>Function_value</a:t>
-            </a:r>
-            <a:endParaRPr kumimoji="1" lang="en-US" altLang="zh-CN" dirty="0"/>
-          </a:p>
-          <a:p>
-            <a:r>
-              <a:rPr kumimoji="1" lang="en-US" altLang="zh-CN" dirty="0" smtClean="0"/>
-              <a:t>}</a:t>
-            </a:r>
+              <a:rPr lang="en-US" altLang="zh-CN" b="1" dirty="0" err="1">
+                <a:latin typeface="Menlo" charset="0"/>
+              </a:rPr>
+              <a:t>enum</a:t>
+            </a:r>
+            <a:r>
+              <a:rPr lang="en-US" altLang="zh-CN" dirty="0">
+                <a:latin typeface="Menlo" charset="0"/>
+              </a:rPr>
+              <a:t> ARGUMENT_TYPE {</a:t>
+            </a:r>
+          </a:p>
+          <a:p>
+            <a:r>
+              <a:rPr lang="en-US" altLang="zh-CN" dirty="0">
+                <a:latin typeface="Menlo" charset="0"/>
+              </a:rPr>
+              <a:t>  CONST_ARG,</a:t>
+            </a:r>
+          </a:p>
+          <a:p>
+            <a:r>
+              <a:rPr lang="en-US" altLang="zh-CN" dirty="0">
+                <a:latin typeface="Menlo" charset="0"/>
+              </a:rPr>
+              <a:t>  TEMPLATE_VAR_ARG,</a:t>
+            </a:r>
+          </a:p>
+          <a:p>
+            <a:r>
+              <a:rPr lang="en-US" altLang="zh-CN" dirty="0">
+                <a:latin typeface="Menlo" charset="0"/>
+              </a:rPr>
+              <a:t>  PARAMETER_ARG,</a:t>
+            </a:r>
+          </a:p>
+          <a:p>
+            <a:r>
+              <a:rPr lang="en-US" altLang="zh-CN" dirty="0">
+                <a:latin typeface="Menlo" charset="0"/>
+              </a:rPr>
+              <a:t>  REF_PARAMETER_ARG,</a:t>
+            </a:r>
+          </a:p>
+          <a:p>
+            <a:r>
+              <a:rPr lang="en-US" altLang="zh-CN" dirty="0">
+                <a:latin typeface="Menlo" charset="0"/>
+              </a:rPr>
+              <a:t>  FUN_POINTER_ARG,</a:t>
+            </a:r>
+          </a:p>
+          <a:p>
+            <a:r>
+              <a:rPr lang="en-US" altLang="zh-CN" dirty="0">
+                <a:latin typeface="Menlo" charset="0"/>
+              </a:rPr>
+              <a:t>  SELECT_VAR_ARG,</a:t>
+            </a:r>
+          </a:p>
+          <a:p>
+            <a:r>
+              <a:rPr lang="en-US" altLang="zh-CN" dirty="0">
+                <a:latin typeface="Menlo" charset="0"/>
+              </a:rPr>
+              <a:t>  EMPTY_ARG</a:t>
+            </a:r>
+          </a:p>
+          <a:p>
+            <a:r>
+              <a:rPr lang="en-US" altLang="zh-CN" dirty="0">
+                <a:latin typeface="Menlo" charset="0"/>
+              </a:rPr>
+              <a:t>};</a:t>
+            </a:r>
+            <a:endParaRPr lang="en-US" altLang="zh-CN" dirty="0">
+              <a:effectLst/>
+              <a:latin typeface="Menlo" charset="0"/>
+            </a:endParaRPr>
           </a:p>
         </p:txBody>
       </p:sp>

--- a/Graph model.pptx
+++ b/Graph model.pptx
@@ -5,7 +5,7 @@
     <p:sldMasterId id="2147483648" r:id="rId1"/>
   </p:sldMasterIdLst>
   <p:notesMasterIdLst>
-    <p:notesMasterId r:id="rId10"/>
+    <p:notesMasterId r:id="rId11"/>
   </p:notesMasterIdLst>
   <p:sldIdLst>
     <p:sldId id="256" r:id="rId2"/>
@@ -13,9 +13,10 @@
     <p:sldId id="258" r:id="rId4"/>
     <p:sldId id="262" r:id="rId5"/>
     <p:sldId id="259" r:id="rId6"/>
-    <p:sldId id="261" r:id="rId7"/>
-    <p:sldId id="263" r:id="rId8"/>
-    <p:sldId id="260" r:id="rId9"/>
+    <p:sldId id="264" r:id="rId7"/>
+    <p:sldId id="261" r:id="rId8"/>
+    <p:sldId id="263" r:id="rId9"/>
+    <p:sldId id="260" r:id="rId10"/>
   </p:sldIdLst>
   <p:sldSz cx="12192000" cy="6858000"/>
   <p:notesSz cx="6858000" cy="9144000"/>
@@ -537,7 +538,7 @@
           <a:p>
             <a:fld id="{44382123-9074-BE42-8FA3-8EAF6F80ACE6}" type="slidenum">
               <a:rPr kumimoji="1" lang="zh-CN" altLang="en-US" smtClean="0"/>
-              <a:t>8</a:t>
+              <a:t>9</a:t>
             </a:fld>
             <a:endParaRPr kumimoji="1" lang="zh-CN" altLang="en-US"/>
           </a:p>
@@ -6242,6 +6243,395 @@
           <a:lstStyle/>
           <a:p>
             <a:r>
+              <a:rPr kumimoji="1" lang="en-US" altLang="zh-CN" dirty="0" smtClean="0"/>
+              <a:t>TA </a:t>
+            </a:r>
+            <a:r>
+              <a:rPr kumimoji="1" lang="zh-CN" altLang="en-US" dirty="0" smtClean="0"/>
+              <a:t>位置信息</a:t>
+            </a:r>
+            <a:endParaRPr kumimoji="1" lang="zh-CN" altLang="en-US" dirty="0"/>
+          </a:p>
+        </p:txBody>
+      </p:sp>
+      <p:sp>
+        <p:nvSpPr>
+          <p:cNvPr id="4" name="矩形 3"/>
+          <p:cNvSpPr/>
+          <p:nvPr/>
+        </p:nvSpPr>
+        <p:spPr>
+          <a:xfrm>
+            <a:off x="838200" y="1777843"/>
+            <a:ext cx="2445250" cy="606175"/>
+          </a:xfrm>
+          <a:prstGeom prst="rect">
+            <a:avLst/>
+          </a:prstGeom>
+        </p:spPr>
+        <p:style>
+          <a:lnRef idx="2">
+            <a:schemeClr val="accent1">
+              <a:shade val="50000"/>
+            </a:schemeClr>
+          </a:lnRef>
+          <a:fillRef idx="1">
+            <a:schemeClr val="accent1"/>
+          </a:fillRef>
+          <a:effectRef idx="0">
+            <a:schemeClr val="accent1"/>
+          </a:effectRef>
+          <a:fontRef idx="minor">
+            <a:schemeClr val="lt1"/>
+          </a:fontRef>
+        </p:style>
+        <p:txBody>
+          <a:bodyPr rtlCol="0" anchor="ctr"/>
+          <a:lstStyle/>
+          <a:p>
+            <a:pPr algn="ctr"/>
+            <a:endParaRPr kumimoji="1" lang="zh-CN" altLang="en-US"/>
+          </a:p>
+        </p:txBody>
+      </p:sp>
+      <p:sp>
+        <p:nvSpPr>
+          <p:cNvPr id="5" name="文本框 4"/>
+          <p:cNvSpPr txBox="1"/>
+          <p:nvPr/>
+        </p:nvSpPr>
+        <p:spPr>
+          <a:xfrm>
+            <a:off x="783071" y="2471173"/>
+            <a:ext cx="2723823" cy="2862322"/>
+          </a:xfrm>
+          <a:prstGeom prst="rect">
+            <a:avLst/>
+          </a:prstGeom>
+          <a:noFill/>
+        </p:spPr>
+        <p:txBody>
+          <a:bodyPr wrap="none" rtlCol="0">
+            <a:spAutoFit/>
+          </a:bodyPr>
+          <a:lstStyle/>
+          <a:p>
+            <a:r>
+              <a:rPr kumimoji="1" lang="en-US" altLang="zh-CN" dirty="0" smtClean="0"/>
+              <a:t>1.</a:t>
+            </a:r>
+            <a:r>
+              <a:rPr kumimoji="1" lang="zh-CN" altLang="en-US" dirty="0" smtClean="0"/>
+              <a:t>每个</a:t>
+            </a:r>
+            <a:r>
+              <a:rPr kumimoji="1" lang="en-US" altLang="zh-CN" dirty="0" smtClean="0"/>
+              <a:t>component </a:t>
+            </a:r>
+          </a:p>
+          <a:p>
+            <a:r>
+              <a:rPr kumimoji="1" lang="zh-CN" altLang="en-US" dirty="0" smtClean="0"/>
+              <a:t>当前所在的节点</a:t>
+            </a:r>
+            <a:r>
+              <a:rPr kumimoji="1" lang="en-US" altLang="zh-CN" dirty="0" smtClean="0"/>
+              <a:t>ID</a:t>
+            </a:r>
+          </a:p>
+          <a:p>
+            <a:endParaRPr kumimoji="1" lang="en-US" altLang="zh-CN" dirty="0"/>
+          </a:p>
+          <a:p>
+            <a:r>
+              <a:rPr kumimoji="1" lang="en-US" altLang="zh-CN" dirty="0" smtClean="0"/>
+              <a:t>2.</a:t>
+            </a:r>
+            <a:r>
+              <a:rPr kumimoji="1" lang="zh-CN" altLang="en-US" dirty="0" smtClean="0"/>
+              <a:t>当相应的</a:t>
+            </a:r>
+            <a:r>
+              <a:rPr kumimoji="1" lang="en-US" altLang="zh-CN" dirty="0" smtClean="0"/>
+              <a:t>component</a:t>
+            </a:r>
+          </a:p>
+          <a:p>
+            <a:r>
+              <a:rPr kumimoji="1" lang="zh-CN" altLang="en-US" dirty="0" smtClean="0"/>
+              <a:t>堵塞时，其值为堵塞</a:t>
+            </a:r>
+            <a:endParaRPr kumimoji="1" lang="en-US" altLang="zh-CN" dirty="0" smtClean="0"/>
+          </a:p>
+          <a:p>
+            <a:r>
+              <a:rPr kumimoji="1" lang="zh-CN" altLang="en-US" dirty="0" smtClean="0"/>
+              <a:t>的</a:t>
+            </a:r>
+            <a:r>
+              <a:rPr kumimoji="1" lang="en-US" altLang="zh-CN" dirty="0" smtClean="0"/>
+              <a:t>link</a:t>
+            </a:r>
+            <a:r>
+              <a:rPr kumimoji="1" lang="zh-CN" altLang="en-US" dirty="0" smtClean="0"/>
+              <a:t>值</a:t>
+            </a:r>
+            <a:endParaRPr kumimoji="1" lang="en-US" altLang="zh-CN" dirty="0" smtClean="0"/>
+          </a:p>
+          <a:p>
+            <a:endParaRPr kumimoji="1" lang="zh-CN" altLang="en-US" dirty="0" smtClean="0"/>
+          </a:p>
+          <a:p>
+            <a:r>
+              <a:rPr kumimoji="1" lang="en-US" altLang="zh-CN" dirty="0" smtClean="0"/>
+              <a:t>3.</a:t>
+            </a:r>
+            <a:r>
+              <a:rPr kumimoji="1" lang="zh-CN" altLang="en-US" dirty="0" smtClean="0"/>
+              <a:t> 当相应位置为</a:t>
+            </a:r>
+            <a:r>
+              <a:rPr kumimoji="1" lang="en-US" altLang="zh-CN" dirty="0" smtClean="0"/>
+              <a:t>commit</a:t>
+            </a:r>
+          </a:p>
+          <a:p>
+            <a:r>
+              <a:rPr kumimoji="1" lang="zh-CN" altLang="en-US" dirty="0" smtClean="0"/>
+              <a:t>位置时，</a:t>
+            </a:r>
+            <a:r>
+              <a:rPr kumimoji="1" lang="zh-CN" altLang="en-US" dirty="0" smtClean="0">
+                <a:solidFill>
+                  <a:srgbClr val="FF0000"/>
+                </a:solidFill>
+              </a:rPr>
+              <a:t>其值为当前位置</a:t>
+            </a:r>
+            <a:endParaRPr kumimoji="1" lang="en-US" altLang="zh-CN" dirty="0" smtClean="0">
+              <a:solidFill>
+                <a:srgbClr val="FF0000"/>
+              </a:solidFill>
+            </a:endParaRPr>
+          </a:p>
+          <a:p>
+            <a:r>
+              <a:rPr kumimoji="1" lang="zh-CN" altLang="en-US" dirty="0" smtClean="0">
+                <a:solidFill>
+                  <a:srgbClr val="FF0000"/>
+                </a:solidFill>
+              </a:rPr>
+              <a:t>的</a:t>
+            </a:r>
+            <a:r>
+              <a:rPr kumimoji="1" lang="zh-CN" altLang="en-US" dirty="0" smtClean="0">
+                <a:solidFill>
+                  <a:srgbClr val="FF0000"/>
+                </a:solidFill>
+              </a:rPr>
+              <a:t>相反数 </a:t>
+            </a:r>
+            <a:r>
+              <a:rPr kumimoji="1" lang="en-US" altLang="zh-CN" dirty="0" smtClean="0">
+                <a:solidFill>
+                  <a:srgbClr val="FF0000"/>
+                </a:solidFill>
+              </a:rPr>
+              <a:t>-1</a:t>
+            </a:r>
+            <a:endParaRPr kumimoji="1" lang="en-US" altLang="zh-CN" dirty="0" smtClean="0">
+              <a:solidFill>
+                <a:srgbClr val="FF0000"/>
+              </a:solidFill>
+            </a:endParaRPr>
+          </a:p>
+        </p:txBody>
+      </p:sp>
+      <p:sp>
+        <p:nvSpPr>
+          <p:cNvPr id="6" name="文本框 5"/>
+          <p:cNvSpPr txBox="1"/>
+          <p:nvPr/>
+        </p:nvSpPr>
+        <p:spPr>
+          <a:xfrm>
+            <a:off x="3934047" y="4470094"/>
+            <a:ext cx="4857420" cy="1754326"/>
+          </a:xfrm>
+          <a:prstGeom prst="rect">
+            <a:avLst/>
+          </a:prstGeom>
+          <a:noFill/>
+        </p:spPr>
+        <p:txBody>
+          <a:bodyPr wrap="none" rtlCol="0">
+            <a:spAutoFit/>
+          </a:bodyPr>
+          <a:lstStyle/>
+          <a:p>
+            <a:r>
+              <a:rPr kumimoji="1" lang="en-US" altLang="zh-CN" dirty="0" smtClean="0">
+                <a:solidFill>
+                  <a:srgbClr val="FF0000"/>
+                </a:solidFill>
+              </a:rPr>
+              <a:t>Commit </a:t>
+            </a:r>
+            <a:r>
+              <a:rPr kumimoji="1" lang="zh-CN" altLang="en-US" dirty="0" smtClean="0">
+                <a:solidFill>
+                  <a:srgbClr val="FF0000"/>
+                </a:solidFill>
+              </a:rPr>
+              <a:t>注意</a:t>
+            </a:r>
+            <a:r>
+              <a:rPr kumimoji="1" lang="en-US" altLang="zh-CN" dirty="0" smtClean="0">
+                <a:solidFill>
+                  <a:srgbClr val="FF0000"/>
+                </a:solidFill>
+              </a:rPr>
+              <a:t>1: </a:t>
+            </a:r>
+            <a:r>
+              <a:rPr kumimoji="1" lang="zh-CN" altLang="en-US" dirty="0" smtClean="0"/>
+              <a:t>当当前位置的值为节点</a:t>
+            </a:r>
+            <a:r>
+              <a:rPr kumimoji="1" lang="en-US" altLang="zh-CN" dirty="0" smtClean="0"/>
+              <a:t>ID </a:t>
+            </a:r>
+            <a:r>
+              <a:rPr kumimoji="1" lang="zh-CN" altLang="en-US" dirty="0" smtClean="0"/>
+              <a:t>时</a:t>
+            </a:r>
+            <a:endParaRPr kumimoji="1" lang="en-US" altLang="zh-CN" dirty="0" smtClean="0"/>
+          </a:p>
+          <a:p>
+            <a:r>
+              <a:rPr kumimoji="1" lang="zh-CN" altLang="en-US" dirty="0" smtClean="0"/>
+              <a:t>值为</a:t>
+            </a:r>
+            <a:r>
+              <a:rPr kumimoji="1" lang="en-US" altLang="zh-CN" dirty="0" smtClean="0"/>
+              <a:t>-</a:t>
+            </a:r>
+            <a:r>
+              <a:rPr kumimoji="1" lang="zh-CN" altLang="en-US" dirty="0" smtClean="0"/>
+              <a:t>节点</a:t>
+            </a:r>
+            <a:r>
+              <a:rPr kumimoji="1" lang="en-US" altLang="zh-CN" dirty="0" smtClean="0"/>
+              <a:t>-1, </a:t>
+            </a:r>
+          </a:p>
+          <a:p>
+            <a:endParaRPr kumimoji="1" lang="en-US" altLang="zh-CN" dirty="0"/>
+          </a:p>
+          <a:p>
+            <a:r>
+              <a:rPr kumimoji="1" lang="zh-CN" altLang="en-US" dirty="0" smtClean="0"/>
+              <a:t>当当前位置堵塞时值为</a:t>
+            </a:r>
+            <a:r>
+              <a:rPr kumimoji="1" lang="en-US" altLang="zh-CN" dirty="0" smtClean="0"/>
+              <a:t> </a:t>
+            </a:r>
+            <a:r>
+              <a:rPr kumimoji="1" lang="zh-CN" altLang="en-US" dirty="0" smtClean="0"/>
+              <a:t>堵塞</a:t>
+            </a:r>
+            <a:r>
+              <a:rPr kumimoji="1" lang="en-US" altLang="zh-CN" dirty="0" smtClean="0"/>
+              <a:t>link ID</a:t>
+            </a:r>
+            <a:r>
+              <a:rPr kumimoji="1" lang="zh-CN" altLang="en-US" dirty="0" smtClean="0"/>
+              <a:t>的乘以</a:t>
+            </a:r>
+            <a:r>
+              <a:rPr kumimoji="1" lang="en-US" altLang="zh-CN" dirty="0" smtClean="0"/>
+              <a:t>-1 </a:t>
+            </a:r>
+            <a:r>
+              <a:rPr kumimoji="1" lang="zh-CN" altLang="en-US" dirty="0" smtClean="0"/>
+              <a:t>再</a:t>
+            </a:r>
+            <a:endParaRPr kumimoji="1" lang="en-US" altLang="zh-CN" dirty="0" smtClean="0"/>
+          </a:p>
+          <a:p>
+            <a:r>
+              <a:rPr kumimoji="1" lang="zh-CN" altLang="en-US" dirty="0" smtClean="0"/>
+              <a:t>减</a:t>
+            </a:r>
+            <a:r>
+              <a:rPr kumimoji="1" lang="en-US" altLang="zh-CN" dirty="0" smtClean="0"/>
+              <a:t>1.</a:t>
+            </a:r>
+          </a:p>
+          <a:p>
+            <a:r>
+              <a:rPr kumimoji="1" lang="zh-CN" altLang="en-US" dirty="0" smtClean="0">
+                <a:solidFill>
+                  <a:srgbClr val="FF0000"/>
+                </a:solidFill>
+              </a:rPr>
+              <a:t>  </a:t>
+            </a:r>
+            <a:endParaRPr kumimoji="1" lang="zh-CN" altLang="en-US" dirty="0">
+              <a:solidFill>
+                <a:srgbClr val="FF0000"/>
+              </a:solidFill>
+            </a:endParaRPr>
+          </a:p>
+        </p:txBody>
+      </p:sp>
+    </p:spTree>
+    <p:extLst>
+      <p:ext uri="{BB962C8B-B14F-4D97-AF65-F5344CB8AC3E}">
+        <p14:creationId xmlns:p14="http://schemas.microsoft.com/office/powerpoint/2010/main" val="269371086"/>
+      </p:ext>
+    </p:extLst>
+  </p:cSld>
+  <p:clrMapOvr>
+    <a:masterClrMapping/>
+  </p:clrMapOvr>
+</p:sld>
+</file>
+
+<file path=ppt/slides/slide7.xml><?xml version="1.0" encoding="utf-8"?>
+<p:sld xmlns:a="http://schemas.openxmlformats.org/drawingml/2006/main" xmlns:r="http://schemas.openxmlformats.org/officeDocument/2006/relationships" xmlns:p="http://schemas.openxmlformats.org/presentationml/2006/main">
+  <p:cSld>
+    <p:spTree>
+      <p:nvGrpSpPr>
+        <p:cNvPr id="1" name=""/>
+        <p:cNvGrpSpPr/>
+        <p:nvPr/>
+      </p:nvGrpSpPr>
+      <p:grpSpPr>
+        <a:xfrm>
+          <a:off x="0" y="0"/>
+          <a:ext cx="0" cy="0"/>
+          <a:chOff x="0" y="0"/>
+          <a:chExt cx="0" cy="0"/>
+        </a:xfrm>
+      </p:grpSpPr>
+      <p:sp>
+        <p:nvSpPr>
+          <p:cNvPr id="2" name="标题 1"/>
+          <p:cNvSpPr>
+            <a:spLocks noGrp="1"/>
+          </p:cNvSpPr>
+          <p:nvPr>
+            <p:ph type="title"/>
+          </p:nvPr>
+        </p:nvSpPr>
+        <p:spPr/>
+        <p:txBody>
+          <a:bodyPr/>
+          <a:lstStyle/>
+          <a:p>
+            <a:r>
               <a:rPr kumimoji="1" lang="en-US" altLang="zh-CN" dirty="0"/>
               <a:t>TA </a:t>
             </a:r>
@@ -8139,7 +8529,7 @@
 </p:sld>
 </file>
 
-<file path=ppt/slides/slide7.xml><?xml version="1.0" encoding="utf-8"?>
+<file path=ppt/slides/slide8.xml><?xml version="1.0" encoding="utf-8"?>
 <p:sld xmlns:a="http://schemas.openxmlformats.org/drawingml/2006/main" xmlns:r="http://schemas.openxmlformats.org/officeDocument/2006/relationships" xmlns:p="http://schemas.openxmlformats.org/presentationml/2006/main">
   <p:cSld>
     <p:spTree>
@@ -8318,7 +8708,7 @@
 </p:sld>
 </file>
 
-<file path=ppt/slides/slide8.xml><?xml version="1.0" encoding="utf-8"?>
+<file path=ppt/slides/slide9.xml><?xml version="1.0" encoding="utf-8"?>
 <p:sld xmlns:a="http://schemas.openxmlformats.org/drawingml/2006/main" xmlns:r="http://schemas.openxmlformats.org/officeDocument/2006/relationships" xmlns:p="http://schemas.openxmlformats.org/presentationml/2006/main">
   <p:cSld>
     <p:spTree>

--- a/Graph model.pptx
+++ b/Graph model.pptx
@@ -205,7 +205,7 @@
           <a:p>
             <a:fld id="{B4F41E1D-8D5C-2944-BE5F-EDE7C7F8C218}" type="datetimeFigureOut">
               <a:rPr kumimoji="1" lang="zh-CN" altLang="en-US" smtClean="0"/>
-              <a:t>2019/12/7</a:t>
+              <a:t>2019/12/26</a:t>
             </a:fld>
             <a:endParaRPr kumimoji="1" lang="zh-CN" altLang="en-US"/>
           </a:p>
@@ -538,6 +538,90 @@
           <a:p>
             <a:fld id="{44382123-9074-BE42-8FA3-8EAF6F80ACE6}" type="slidenum">
               <a:rPr kumimoji="1" lang="zh-CN" altLang="en-US" smtClean="0"/>
+              <a:t>5</a:t>
+            </a:fld>
+            <a:endParaRPr kumimoji="1" lang="zh-CN" altLang="en-US"/>
+          </a:p>
+        </p:txBody>
+      </p:sp>
+    </p:spTree>
+    <p:extLst>
+      <p:ext uri="{BB962C8B-B14F-4D97-AF65-F5344CB8AC3E}">
+        <p14:creationId xmlns:p14="http://schemas.microsoft.com/office/powerpoint/2010/main" val="805484791"/>
+      </p:ext>
+    </p:extLst>
+  </p:cSld>
+  <p:clrMapOvr>
+    <a:masterClrMapping/>
+  </p:clrMapOvr>
+</p:notes>
+</file>
+
+<file path=ppt/notesSlides/notesSlide2.xml><?xml version="1.0" encoding="utf-8"?>
+<p:notes xmlns:a="http://schemas.openxmlformats.org/drawingml/2006/main" xmlns:r="http://schemas.openxmlformats.org/officeDocument/2006/relationships" xmlns:p="http://schemas.openxmlformats.org/presentationml/2006/main">
+  <p:cSld>
+    <p:spTree>
+      <p:nvGrpSpPr>
+        <p:cNvPr id="1" name=""/>
+        <p:cNvGrpSpPr/>
+        <p:nvPr/>
+      </p:nvGrpSpPr>
+      <p:grpSpPr>
+        <a:xfrm>
+          <a:off x="0" y="0"/>
+          <a:ext cx="0" cy="0"/>
+          <a:chOff x="0" y="0"/>
+          <a:chExt cx="0" cy="0"/>
+        </a:xfrm>
+      </p:grpSpPr>
+      <p:sp>
+        <p:nvSpPr>
+          <p:cNvPr id="2" name="幻灯片图像占位符 1"/>
+          <p:cNvSpPr>
+            <a:spLocks noGrp="1" noRot="1" noChangeAspect="1"/>
+          </p:cNvSpPr>
+          <p:nvPr>
+            <p:ph type="sldImg"/>
+          </p:nvPr>
+        </p:nvSpPr>
+        <p:spPr/>
+      </p:sp>
+      <p:sp>
+        <p:nvSpPr>
+          <p:cNvPr id="3" name="备注占位符 2"/>
+          <p:cNvSpPr>
+            <a:spLocks noGrp="1"/>
+          </p:cNvSpPr>
+          <p:nvPr>
+            <p:ph type="body" idx="1"/>
+          </p:nvPr>
+        </p:nvSpPr>
+        <p:spPr/>
+        <p:txBody>
+          <a:bodyPr/>
+          <a:lstStyle/>
+          <a:p>
+            <a:endParaRPr kumimoji="1" lang="zh-CN" altLang="en-US" dirty="0"/>
+          </a:p>
+        </p:txBody>
+      </p:sp>
+      <p:sp>
+        <p:nvSpPr>
+          <p:cNvPr id="4" name="幻灯片编号占位符 3"/>
+          <p:cNvSpPr>
+            <a:spLocks noGrp="1"/>
+          </p:cNvSpPr>
+          <p:nvPr>
+            <p:ph type="sldNum" sz="quarter" idx="10"/>
+          </p:nvPr>
+        </p:nvSpPr>
+        <p:spPr/>
+        <p:txBody>
+          <a:bodyPr/>
+          <a:lstStyle/>
+          <a:p>
+            <a:fld id="{44382123-9074-BE42-8FA3-8EAF6F80ACE6}" type="slidenum">
+              <a:rPr kumimoji="1" lang="zh-CN" altLang="en-US" smtClean="0"/>
               <a:t>9</a:t>
             </a:fld>
             <a:endParaRPr kumimoji="1" lang="zh-CN" altLang="en-US"/>
@@ -688,7 +772,7 @@
           <a:p>
             <a:fld id="{C2E5057E-F3AC-4D46-AC6D-2C5361B76E41}" type="datetimeFigureOut">
               <a:rPr kumimoji="1" lang="zh-CN" altLang="en-US" smtClean="0"/>
-              <a:t>2019/12/7</a:t>
+              <a:t>2019/12/26</a:t>
             </a:fld>
             <a:endParaRPr kumimoji="1" lang="zh-CN" altLang="en-US"/>
           </a:p>
@@ -858,7 +942,7 @@
           <a:p>
             <a:fld id="{C2E5057E-F3AC-4D46-AC6D-2C5361B76E41}" type="datetimeFigureOut">
               <a:rPr kumimoji="1" lang="zh-CN" altLang="en-US" smtClean="0"/>
-              <a:t>2019/12/7</a:t>
+              <a:t>2019/12/26</a:t>
             </a:fld>
             <a:endParaRPr kumimoji="1" lang="zh-CN" altLang="en-US"/>
           </a:p>
@@ -1038,7 +1122,7 @@
           <a:p>
             <a:fld id="{C2E5057E-F3AC-4D46-AC6D-2C5361B76E41}" type="datetimeFigureOut">
               <a:rPr kumimoji="1" lang="zh-CN" altLang="en-US" smtClean="0"/>
-              <a:t>2019/12/7</a:t>
+              <a:t>2019/12/26</a:t>
             </a:fld>
             <a:endParaRPr kumimoji="1" lang="zh-CN" altLang="en-US"/>
           </a:p>
@@ -1208,7 +1292,7 @@
           <a:p>
             <a:fld id="{C2E5057E-F3AC-4D46-AC6D-2C5361B76E41}" type="datetimeFigureOut">
               <a:rPr kumimoji="1" lang="zh-CN" altLang="en-US" smtClean="0"/>
-              <a:t>2019/12/7</a:t>
+              <a:t>2019/12/26</a:t>
             </a:fld>
             <a:endParaRPr kumimoji="1" lang="zh-CN" altLang="en-US"/>
           </a:p>
@@ -1454,7 +1538,7 @@
           <a:p>
             <a:fld id="{C2E5057E-F3AC-4D46-AC6D-2C5361B76E41}" type="datetimeFigureOut">
               <a:rPr kumimoji="1" lang="zh-CN" altLang="en-US" smtClean="0"/>
-              <a:t>2019/12/7</a:t>
+              <a:t>2019/12/26</a:t>
             </a:fld>
             <a:endParaRPr kumimoji="1" lang="zh-CN" altLang="en-US"/>
           </a:p>
@@ -1686,7 +1770,7 @@
           <a:p>
             <a:fld id="{C2E5057E-F3AC-4D46-AC6D-2C5361B76E41}" type="datetimeFigureOut">
               <a:rPr kumimoji="1" lang="zh-CN" altLang="en-US" smtClean="0"/>
-              <a:t>2019/12/7</a:t>
+              <a:t>2019/12/26</a:t>
             </a:fld>
             <a:endParaRPr kumimoji="1" lang="zh-CN" altLang="en-US"/>
           </a:p>
@@ -2053,7 +2137,7 @@
           <a:p>
             <a:fld id="{C2E5057E-F3AC-4D46-AC6D-2C5361B76E41}" type="datetimeFigureOut">
               <a:rPr kumimoji="1" lang="zh-CN" altLang="en-US" smtClean="0"/>
-              <a:t>2019/12/7</a:t>
+              <a:t>2019/12/26</a:t>
             </a:fld>
             <a:endParaRPr kumimoji="1" lang="zh-CN" altLang="en-US"/>
           </a:p>
@@ -2171,7 +2255,7 @@
           <a:p>
             <a:fld id="{C2E5057E-F3AC-4D46-AC6D-2C5361B76E41}" type="datetimeFigureOut">
               <a:rPr kumimoji="1" lang="zh-CN" altLang="en-US" smtClean="0"/>
-              <a:t>2019/12/7</a:t>
+              <a:t>2019/12/26</a:t>
             </a:fld>
             <a:endParaRPr kumimoji="1" lang="zh-CN" altLang="en-US"/>
           </a:p>
@@ -2266,7 +2350,7 @@
           <a:p>
             <a:fld id="{C2E5057E-F3AC-4D46-AC6D-2C5361B76E41}" type="datetimeFigureOut">
               <a:rPr kumimoji="1" lang="zh-CN" altLang="en-US" smtClean="0"/>
-              <a:t>2019/12/7</a:t>
+              <a:t>2019/12/26</a:t>
             </a:fld>
             <a:endParaRPr kumimoji="1" lang="zh-CN" altLang="en-US"/>
           </a:p>
@@ -2543,7 +2627,7 @@
           <a:p>
             <a:fld id="{C2E5057E-F3AC-4D46-AC6D-2C5361B76E41}" type="datetimeFigureOut">
               <a:rPr kumimoji="1" lang="zh-CN" altLang="en-US" smtClean="0"/>
-              <a:t>2019/12/7</a:t>
+              <a:t>2019/12/26</a:t>
             </a:fld>
             <a:endParaRPr kumimoji="1" lang="zh-CN" altLang="en-US"/>
           </a:p>
@@ -2796,7 +2880,7 @@
           <a:p>
             <a:fld id="{C2E5057E-F3AC-4D46-AC6D-2C5361B76E41}" type="datetimeFigureOut">
               <a:rPr kumimoji="1" lang="zh-CN" altLang="en-US" smtClean="0"/>
-              <a:t>2019/12/7</a:t>
+              <a:t>2019/12/26</a:t>
             </a:fld>
             <a:endParaRPr kumimoji="1" lang="zh-CN" altLang="en-US"/>
           </a:p>
@@ -3009,7 +3093,7 @@
           <a:p>
             <a:fld id="{C2E5057E-F3AC-4D46-AC6D-2C5361B76E41}" type="datetimeFigureOut">
               <a:rPr kumimoji="1" lang="zh-CN" altLang="en-US" smtClean="0"/>
-              <a:t>2019/12/7</a:t>
+              <a:t>2019/12/26</a:t>
             </a:fld>
             <a:endParaRPr kumimoji="1" lang="zh-CN" altLang="en-US"/>
           </a:p>
@@ -4408,11 +4492,7 @@
             </a:r>
             <a:r>
               <a:rPr kumimoji="1" lang="en-US" altLang="zh-CN" dirty="0" smtClean="0"/>
-              <a:t> &lt; (&lt;=) </a:t>
-            </a:r>
-            <a:r>
-              <a:rPr kumimoji="1" lang="en-US" altLang="zh-CN" dirty="0" smtClean="0"/>
-              <a:t>constant &amp;&amp; </a:t>
+              <a:t> &lt; (&lt;=) constant &amp;&amp; </a:t>
             </a:r>
             <a:r>
               <a:rPr kumimoji="1" lang="mr-IN" altLang="zh-CN" dirty="0" smtClean="0"/>
@@ -4422,7 +4502,6 @@
               <a:rPr kumimoji="1" lang="en-US" altLang="zh-CN" dirty="0" smtClean="0"/>
               <a:t> </a:t>
             </a:r>
-            <a:endParaRPr kumimoji="1" lang="en-US" altLang="zh-CN" dirty="0" smtClean="0"/>
           </a:p>
           <a:p>
             <a:r>
@@ -5168,592 +5247,281 @@
           </a:p>
         </p:txBody>
       </p:sp>
+      <p:sp>
+        <p:nvSpPr>
+          <p:cNvPr id="4" name="矩形 3"/>
+          <p:cNvSpPr/>
+          <p:nvPr/>
+        </p:nvSpPr>
+        <p:spPr>
+          <a:xfrm>
+            <a:off x="563880" y="2841099"/>
+            <a:ext cx="2445250" cy="606175"/>
+          </a:xfrm>
+          <a:prstGeom prst="rect">
+            <a:avLst/>
+          </a:prstGeom>
+        </p:spPr>
+        <p:style>
+          <a:lnRef idx="2">
+            <a:schemeClr val="accent1">
+              <a:shade val="50000"/>
+            </a:schemeClr>
+          </a:lnRef>
+          <a:fillRef idx="1">
+            <a:schemeClr val="accent1"/>
+          </a:fillRef>
+          <a:effectRef idx="0">
+            <a:schemeClr val="accent1"/>
+          </a:effectRef>
+          <a:fontRef idx="minor">
+            <a:schemeClr val="lt1"/>
+          </a:fontRef>
+        </p:style>
+        <p:txBody>
+          <a:bodyPr rtlCol="0" anchor="ctr"/>
+          <a:lstStyle/>
+          <a:p>
+            <a:pPr algn="ctr"/>
+            <a:endParaRPr kumimoji="1" lang="zh-CN" altLang="en-US"/>
+          </a:p>
+        </p:txBody>
+      </p:sp>
+      <p:sp>
+        <p:nvSpPr>
+          <p:cNvPr id="8" name="左大括号 7"/>
+          <p:cNvSpPr/>
+          <p:nvPr/>
+        </p:nvSpPr>
+        <p:spPr>
+          <a:xfrm rot="16200000">
+            <a:off x="1525286" y="2485866"/>
+            <a:ext cx="522438" cy="2445250"/>
+          </a:xfrm>
+          <a:prstGeom prst="leftBrace">
+            <a:avLst>
+              <a:gd name="adj1" fmla="val 8333"/>
+              <a:gd name="adj2" fmla="val 51834"/>
+            </a:avLst>
+          </a:prstGeom>
+        </p:spPr>
+        <p:style>
+          <a:lnRef idx="1">
+            <a:schemeClr val="accent1"/>
+          </a:lnRef>
+          <a:fillRef idx="0">
+            <a:schemeClr val="accent1"/>
+          </a:fillRef>
+          <a:effectRef idx="0">
+            <a:schemeClr val="accent1"/>
+          </a:effectRef>
+          <a:fontRef idx="minor">
+            <a:schemeClr val="tx1"/>
+          </a:fontRef>
+        </p:style>
+        <p:txBody>
+          <a:bodyPr rtlCol="0" anchor="ctr"/>
+          <a:lstStyle/>
+          <a:p>
+            <a:pPr algn="ctr"/>
+            <a:endParaRPr kumimoji="1" lang="zh-CN" altLang="en-US"/>
+          </a:p>
+        </p:txBody>
+      </p:sp>
+      <p:sp>
+        <p:nvSpPr>
+          <p:cNvPr id="10" name="文本框 9"/>
+          <p:cNvSpPr txBox="1"/>
+          <p:nvPr/>
+        </p:nvSpPr>
+        <p:spPr>
+          <a:xfrm>
+            <a:off x="590397" y="3763852"/>
+            <a:ext cx="2024913" cy="923330"/>
+          </a:xfrm>
+          <a:prstGeom prst="rect">
+            <a:avLst/>
+          </a:prstGeom>
+          <a:noFill/>
+        </p:spPr>
+        <p:txBody>
+          <a:bodyPr wrap="none" rtlCol="0">
+            <a:spAutoFit/>
+          </a:bodyPr>
+          <a:lstStyle/>
+          <a:p>
+            <a:r>
+              <a:rPr kumimoji="1" lang="en-US" altLang="zh-CN" dirty="0" smtClean="0"/>
+              <a:t>1.</a:t>
+            </a:r>
+            <a:r>
+              <a:rPr kumimoji="1" lang="zh-CN" altLang="en-US" dirty="0" smtClean="0"/>
+              <a:t>每个</a:t>
+            </a:r>
+            <a:r>
+              <a:rPr kumimoji="1" lang="en-US" altLang="zh-CN" dirty="0" smtClean="0"/>
+              <a:t>component </a:t>
+            </a:r>
+          </a:p>
+          <a:p>
+            <a:r>
+              <a:rPr kumimoji="1" lang="zh-CN" altLang="en-US" dirty="0" smtClean="0"/>
+              <a:t>当前所在的节点</a:t>
+            </a:r>
+            <a:r>
+              <a:rPr kumimoji="1" lang="en-US" altLang="zh-CN" dirty="0" smtClean="0"/>
+              <a:t>ID</a:t>
+            </a:r>
+          </a:p>
+          <a:p>
+            <a:endParaRPr kumimoji="1" lang="en-US" altLang="zh-CN" dirty="0"/>
+          </a:p>
+        </p:txBody>
+      </p:sp>
+      <p:sp>
+        <p:nvSpPr>
+          <p:cNvPr id="15" name="文本框 14"/>
+          <p:cNvSpPr txBox="1"/>
+          <p:nvPr/>
+        </p:nvSpPr>
+        <p:spPr>
+          <a:xfrm>
+            <a:off x="1350294" y="2364388"/>
+            <a:ext cx="646331" cy="369332"/>
+          </a:xfrm>
+          <a:prstGeom prst="rect">
+            <a:avLst/>
+          </a:prstGeom>
+          <a:noFill/>
+        </p:spPr>
+        <p:txBody>
+          <a:bodyPr wrap="none" rtlCol="0">
+            <a:spAutoFit/>
+          </a:bodyPr>
+          <a:lstStyle/>
+          <a:p>
+            <a:r>
+              <a:rPr kumimoji="1" lang="zh-CN" altLang="en-US" smtClean="0"/>
+              <a:t>位置</a:t>
+            </a:r>
+            <a:endParaRPr kumimoji="1" lang="zh-CN" altLang="en-US"/>
+          </a:p>
+        </p:txBody>
+      </p:sp>
       <p:grpSp>
         <p:nvGrpSpPr>
-          <p:cNvPr id="22" name="组 21"/>
+          <p:cNvPr id="9" name="组 8"/>
           <p:cNvGrpSpPr/>
           <p:nvPr/>
         </p:nvGrpSpPr>
         <p:grpSpPr>
           <a:xfrm>
-            <a:off x="563880" y="2139405"/>
-            <a:ext cx="8195202" cy="4209770"/>
-            <a:chOff x="838200" y="2583542"/>
-            <a:chExt cx="8195202" cy="4209770"/>
+            <a:off x="3009130" y="2069212"/>
+            <a:ext cx="6057130" cy="3389280"/>
+            <a:chOff x="5457641" y="2139405"/>
+            <a:chExt cx="6057130" cy="3389280"/>
           </a:xfrm>
         </p:grpSpPr>
+        <p:sp>
+          <p:nvSpPr>
+            <p:cNvPr id="6" name="矩形 5"/>
+            <p:cNvSpPr/>
+            <p:nvPr/>
+          </p:nvSpPr>
+          <p:spPr>
+            <a:xfrm>
+              <a:off x="5486894" y="2896456"/>
+              <a:ext cx="2445250" cy="606175"/>
+            </a:xfrm>
+            <a:prstGeom prst="rect">
+              <a:avLst/>
+            </a:prstGeom>
+            <a:solidFill>
+              <a:srgbClr val="002060"/>
+            </a:solidFill>
+          </p:spPr>
+          <p:style>
+            <a:lnRef idx="2">
+              <a:schemeClr val="accent1">
+                <a:shade val="50000"/>
+              </a:schemeClr>
+            </a:lnRef>
+            <a:fillRef idx="1">
+              <a:schemeClr val="accent1"/>
+            </a:fillRef>
+            <a:effectRef idx="0">
+              <a:schemeClr val="accent1"/>
+            </a:effectRef>
+            <a:fontRef idx="minor">
+              <a:schemeClr val="lt1"/>
+            </a:fontRef>
+          </p:style>
+          <p:txBody>
+            <a:bodyPr rtlCol="0" anchor="ctr"/>
+            <a:lstStyle/>
+            <a:p>
+              <a:pPr algn="ctr"/>
+              <a:endParaRPr kumimoji="1" lang="zh-CN" altLang="en-US"/>
+            </a:p>
+          </p:txBody>
+        </p:sp>
+        <p:sp>
+          <p:nvSpPr>
+            <p:cNvPr id="7" name="矩形 6"/>
+            <p:cNvSpPr/>
+            <p:nvPr/>
+          </p:nvSpPr>
+          <p:spPr>
+            <a:xfrm>
+              <a:off x="7932147" y="2896457"/>
+              <a:ext cx="609109" cy="606175"/>
+            </a:xfrm>
+            <a:prstGeom prst="rect">
+              <a:avLst/>
+            </a:prstGeom>
+            <a:solidFill>
+              <a:srgbClr val="FF0000"/>
+            </a:solidFill>
+          </p:spPr>
+          <p:style>
+            <a:lnRef idx="2">
+              <a:schemeClr val="accent1">
+                <a:shade val="50000"/>
+              </a:schemeClr>
+            </a:lnRef>
+            <a:fillRef idx="1">
+              <a:schemeClr val="accent1"/>
+            </a:fillRef>
+            <a:effectRef idx="0">
+              <a:schemeClr val="accent1"/>
+            </a:effectRef>
+            <a:fontRef idx="minor">
+              <a:schemeClr val="lt1"/>
+            </a:fontRef>
+          </p:style>
+          <p:txBody>
+            <a:bodyPr rtlCol="0" anchor="ctr"/>
+            <a:lstStyle/>
+            <a:p>
+              <a:pPr algn="ctr"/>
+              <a:endParaRPr kumimoji="1" lang="zh-CN" altLang="en-US"/>
+            </a:p>
+          </p:txBody>
+        </p:sp>
         <p:grpSp>
           <p:nvGrpSpPr>
-            <p:cNvPr id="20" name="组 19"/>
+            <p:cNvPr id="3" name="组 2"/>
             <p:cNvGrpSpPr/>
             <p:nvPr/>
           </p:nvGrpSpPr>
           <p:grpSpPr>
             <a:xfrm>
-              <a:off x="838200" y="2805181"/>
-              <a:ext cx="7944859" cy="3988131"/>
-              <a:chOff x="1734717" y="2935809"/>
-              <a:chExt cx="7944859" cy="3988131"/>
+              <a:off x="5457641" y="2139405"/>
+              <a:ext cx="6057130" cy="3389280"/>
+              <a:chOff x="5457641" y="2139405"/>
+              <a:chExt cx="6057130" cy="3389280"/>
             </a:xfrm>
           </p:grpSpPr>
-          <p:grpSp>
-            <p:nvGrpSpPr>
-              <p:cNvPr id="14" name="组 13"/>
-              <p:cNvGrpSpPr/>
-              <p:nvPr/>
-            </p:nvGrpSpPr>
-            <p:grpSpPr>
-              <a:xfrm>
-                <a:off x="1734717" y="3415862"/>
-                <a:ext cx="7944859" cy="3508078"/>
-                <a:chOff x="1068512" y="2671279"/>
-                <a:chExt cx="7944859" cy="3508078"/>
-              </a:xfrm>
-            </p:grpSpPr>
-            <p:sp>
-              <p:nvSpPr>
-                <p:cNvPr id="4" name="矩形 3"/>
-                <p:cNvSpPr/>
-                <p:nvPr/>
-              </p:nvSpPr>
-              <p:spPr>
-                <a:xfrm>
-                  <a:off x="1068512" y="2671281"/>
-                  <a:ext cx="2445250" cy="606175"/>
-                </a:xfrm>
-                <a:prstGeom prst="rect">
-                  <a:avLst/>
-                </a:prstGeom>
-              </p:spPr>
-              <p:style>
-                <a:lnRef idx="2">
-                  <a:schemeClr val="accent1">
-                    <a:shade val="50000"/>
-                  </a:schemeClr>
-                </a:lnRef>
-                <a:fillRef idx="1">
-                  <a:schemeClr val="accent1"/>
-                </a:fillRef>
-                <a:effectRef idx="0">
-                  <a:schemeClr val="accent1"/>
-                </a:effectRef>
-                <a:fontRef idx="minor">
-                  <a:schemeClr val="lt1"/>
-                </a:fontRef>
-              </p:style>
-              <p:txBody>
-                <a:bodyPr rtlCol="0" anchor="ctr"/>
-                <a:lstStyle/>
-                <a:p>
-                  <a:pPr algn="ctr"/>
-                  <a:endParaRPr kumimoji="1" lang="zh-CN" altLang="en-US"/>
-                </a:p>
-              </p:txBody>
-            </p:sp>
-            <p:sp>
-              <p:nvSpPr>
-                <p:cNvPr id="5" name="矩形 4"/>
-                <p:cNvSpPr/>
-                <p:nvPr/>
-              </p:nvSpPr>
-              <p:spPr>
-                <a:xfrm>
-                  <a:off x="3513762" y="2671280"/>
-                  <a:ext cx="2445250" cy="606175"/>
-                </a:xfrm>
-                <a:prstGeom prst="rect">
-                  <a:avLst/>
-                </a:prstGeom>
-                <a:solidFill>
-                  <a:srgbClr val="00B050"/>
-                </a:solidFill>
-              </p:spPr>
-              <p:style>
-                <a:lnRef idx="2">
-                  <a:schemeClr val="accent1">
-                    <a:shade val="50000"/>
-                  </a:schemeClr>
-                </a:lnRef>
-                <a:fillRef idx="1">
-                  <a:schemeClr val="accent1"/>
-                </a:fillRef>
-                <a:effectRef idx="0">
-                  <a:schemeClr val="accent1"/>
-                </a:effectRef>
-                <a:fontRef idx="minor">
-                  <a:schemeClr val="lt1"/>
-                </a:fontRef>
-              </p:style>
-              <p:txBody>
-                <a:bodyPr rtlCol="0" anchor="ctr"/>
-                <a:lstStyle/>
-                <a:p>
-                  <a:pPr algn="ctr"/>
-                  <a:endParaRPr kumimoji="1" lang="zh-CN" altLang="en-US"/>
-                </a:p>
-              </p:txBody>
-            </p:sp>
-            <p:sp>
-              <p:nvSpPr>
-                <p:cNvPr id="6" name="矩形 5"/>
-                <p:cNvSpPr/>
-                <p:nvPr/>
-              </p:nvSpPr>
-              <p:spPr>
-                <a:xfrm>
-                  <a:off x="5959012" y="2671279"/>
-                  <a:ext cx="2445250" cy="606175"/>
-                </a:xfrm>
-                <a:prstGeom prst="rect">
-                  <a:avLst/>
-                </a:prstGeom>
-                <a:solidFill>
-                  <a:srgbClr val="002060"/>
-                </a:solidFill>
-              </p:spPr>
-              <p:style>
-                <a:lnRef idx="2">
-                  <a:schemeClr val="accent1">
-                    <a:shade val="50000"/>
-                  </a:schemeClr>
-                </a:lnRef>
-                <a:fillRef idx="1">
-                  <a:schemeClr val="accent1"/>
-                </a:fillRef>
-                <a:effectRef idx="0">
-                  <a:schemeClr val="accent1"/>
-                </a:effectRef>
-                <a:fontRef idx="minor">
-                  <a:schemeClr val="lt1"/>
-                </a:fontRef>
-              </p:style>
-              <p:txBody>
-                <a:bodyPr rtlCol="0" anchor="ctr"/>
-                <a:lstStyle/>
-                <a:p>
-                  <a:pPr algn="ctr"/>
-                  <a:endParaRPr kumimoji="1" lang="zh-CN" altLang="en-US"/>
-                </a:p>
-              </p:txBody>
-            </p:sp>
-            <p:sp>
-              <p:nvSpPr>
-                <p:cNvPr id="7" name="矩形 6"/>
-                <p:cNvSpPr/>
-                <p:nvPr/>
-              </p:nvSpPr>
-              <p:spPr>
-                <a:xfrm>
-                  <a:off x="8404262" y="2671279"/>
-                  <a:ext cx="609109" cy="606175"/>
-                </a:xfrm>
-                <a:prstGeom prst="rect">
-                  <a:avLst/>
-                </a:prstGeom>
-                <a:solidFill>
-                  <a:srgbClr val="FF0000"/>
-                </a:solidFill>
-              </p:spPr>
-              <p:style>
-                <a:lnRef idx="2">
-                  <a:schemeClr val="accent1">
-                    <a:shade val="50000"/>
-                  </a:schemeClr>
-                </a:lnRef>
-                <a:fillRef idx="1">
-                  <a:schemeClr val="accent1"/>
-                </a:fillRef>
-                <a:effectRef idx="0">
-                  <a:schemeClr val="accent1"/>
-                </a:effectRef>
-                <a:fontRef idx="minor">
-                  <a:schemeClr val="lt1"/>
-                </a:fontRef>
-              </p:style>
-              <p:txBody>
-                <a:bodyPr rtlCol="0" anchor="ctr"/>
-                <a:lstStyle/>
-                <a:p>
-                  <a:pPr algn="ctr"/>
-                  <a:endParaRPr kumimoji="1" lang="zh-CN" altLang="en-US"/>
-                </a:p>
-              </p:txBody>
-            </p:sp>
-            <p:sp>
-              <p:nvSpPr>
-                <p:cNvPr id="8" name="左大括号 7"/>
-                <p:cNvSpPr/>
-                <p:nvPr/>
-              </p:nvSpPr>
-              <p:spPr>
-                <a:xfrm rot="16200000">
-                  <a:off x="2029918" y="2316048"/>
-                  <a:ext cx="522438" cy="2445250"/>
-                </a:xfrm>
-                <a:prstGeom prst="leftBrace">
-                  <a:avLst>
-                    <a:gd name="adj1" fmla="val 8333"/>
-                    <a:gd name="adj2" fmla="val 51834"/>
-                  </a:avLst>
-                </a:prstGeom>
-              </p:spPr>
-              <p:style>
-                <a:lnRef idx="1">
-                  <a:schemeClr val="accent1"/>
-                </a:lnRef>
-                <a:fillRef idx="0">
-                  <a:schemeClr val="accent1"/>
-                </a:fillRef>
-                <a:effectRef idx="0">
-                  <a:schemeClr val="accent1"/>
-                </a:effectRef>
-                <a:fontRef idx="minor">
-                  <a:schemeClr val="tx1"/>
-                </a:fontRef>
-              </p:style>
-              <p:txBody>
-                <a:bodyPr rtlCol="0" anchor="ctr"/>
-                <a:lstStyle/>
-                <a:p>
-                  <a:pPr algn="ctr"/>
-                  <a:endParaRPr kumimoji="1" lang="zh-CN" altLang="en-US"/>
-                </a:p>
-              </p:txBody>
-            </p:sp>
-            <p:sp>
-              <p:nvSpPr>
-                <p:cNvPr id="10" name="文本框 9"/>
-                <p:cNvSpPr txBox="1"/>
-                <p:nvPr/>
-              </p:nvSpPr>
-              <p:spPr>
-                <a:xfrm>
-                  <a:off x="1095029" y="3594034"/>
-                  <a:ext cx="2555508" cy="2585323"/>
-                </a:xfrm>
-                <a:prstGeom prst="rect">
-                  <a:avLst/>
-                </a:prstGeom>
-                <a:noFill/>
-              </p:spPr>
-              <p:txBody>
-                <a:bodyPr wrap="none" rtlCol="0">
-                  <a:spAutoFit/>
-                </a:bodyPr>
-                <a:lstStyle/>
-                <a:p>
-                  <a:r>
-                    <a:rPr kumimoji="1" lang="en-US" altLang="zh-CN" dirty="0" smtClean="0"/>
-                    <a:t>1.</a:t>
-                  </a:r>
-                  <a:r>
-                    <a:rPr kumimoji="1" lang="zh-CN" altLang="en-US" dirty="0" smtClean="0"/>
-                    <a:t>每个</a:t>
-                  </a:r>
-                  <a:r>
-                    <a:rPr kumimoji="1" lang="en-US" altLang="zh-CN" dirty="0" smtClean="0"/>
-                    <a:t>component </a:t>
-                  </a:r>
-                </a:p>
-                <a:p>
-                  <a:r>
-                    <a:rPr kumimoji="1" lang="zh-CN" altLang="en-US" dirty="0" smtClean="0"/>
-                    <a:t>当前所在的节点</a:t>
-                  </a:r>
-                  <a:r>
-                    <a:rPr kumimoji="1" lang="en-US" altLang="zh-CN" dirty="0" smtClean="0"/>
-                    <a:t>ID</a:t>
-                  </a:r>
-                </a:p>
-                <a:p>
-                  <a:endParaRPr kumimoji="1" lang="en-US" altLang="zh-CN" dirty="0"/>
-                </a:p>
-                <a:p>
-                  <a:r>
-                    <a:rPr kumimoji="1" lang="en-US" altLang="zh-CN" dirty="0" smtClean="0"/>
-                    <a:t>2.</a:t>
-                  </a:r>
-                  <a:r>
-                    <a:rPr kumimoji="1" lang="zh-CN" altLang="en-US" dirty="0" smtClean="0"/>
-                    <a:t>当相应的</a:t>
-                  </a:r>
-                  <a:r>
-                    <a:rPr kumimoji="1" lang="en-US" altLang="zh-CN" dirty="0" smtClean="0"/>
-                    <a:t>component</a:t>
-                  </a:r>
-                </a:p>
-                <a:p>
-                  <a:r>
-                    <a:rPr kumimoji="1" lang="zh-CN" altLang="en-US" dirty="0" smtClean="0"/>
-                    <a:t>堵塞时，其值为堵塞</a:t>
-                  </a:r>
-                  <a:endParaRPr kumimoji="1" lang="en-US" altLang="zh-CN" dirty="0" smtClean="0"/>
-                </a:p>
-                <a:p>
-                  <a:r>
-                    <a:rPr kumimoji="1" lang="zh-CN" altLang="en-US" dirty="0" smtClean="0"/>
-                    <a:t>的</a:t>
-                  </a:r>
-                  <a:r>
-                    <a:rPr kumimoji="1" lang="en-US" altLang="zh-CN" dirty="0" smtClean="0"/>
-                    <a:t>link</a:t>
-                  </a:r>
-                  <a:r>
-                    <a:rPr kumimoji="1" lang="zh-CN" altLang="en-US" dirty="0" smtClean="0"/>
-                    <a:t>值</a:t>
-                  </a:r>
-                  <a:endParaRPr kumimoji="1" lang="en-US" altLang="zh-CN" dirty="0" smtClean="0"/>
-                </a:p>
-                <a:p>
-                  <a:r>
-                    <a:rPr kumimoji="1" lang="en-US" altLang="zh-CN" dirty="0" smtClean="0"/>
-                    <a:t>3.</a:t>
-                  </a:r>
-                  <a:r>
-                    <a:rPr kumimoji="1" lang="zh-CN" altLang="en-US" dirty="0" smtClean="0"/>
-                    <a:t> 当相应位置为</a:t>
-                  </a:r>
-                  <a:r>
-                    <a:rPr kumimoji="1" lang="en-US" altLang="zh-CN" dirty="0" smtClean="0"/>
-                    <a:t>commit</a:t>
-                  </a:r>
-                </a:p>
-                <a:p>
-                  <a:r>
-                    <a:rPr kumimoji="1" lang="zh-CN" altLang="en-US" dirty="0" smtClean="0"/>
-                    <a:t>位置时，</a:t>
-                  </a:r>
-                  <a:r>
-                    <a:rPr kumimoji="1" lang="zh-CN" altLang="en-US" dirty="0" smtClean="0">
-                      <a:solidFill>
-                        <a:srgbClr val="FF0000"/>
-                      </a:solidFill>
-                    </a:rPr>
-                    <a:t>其值为节点</a:t>
-                  </a:r>
-                  <a:r>
-                    <a:rPr kumimoji="1" lang="en-US" altLang="zh-CN" dirty="0" smtClean="0">
-                      <a:solidFill>
-                        <a:srgbClr val="FF0000"/>
-                      </a:solidFill>
-                    </a:rPr>
-                    <a:t>ID</a:t>
-                  </a:r>
-                </a:p>
-                <a:p>
-                  <a:r>
-                    <a:rPr kumimoji="1" lang="zh-CN" altLang="en-US" dirty="0" smtClean="0">
-                      <a:solidFill>
-                        <a:srgbClr val="FF0000"/>
-                      </a:solidFill>
-                    </a:rPr>
-                    <a:t>的相反数 </a:t>
-                  </a:r>
-                  <a:r>
-                    <a:rPr kumimoji="1" lang="en-US" altLang="zh-CN" dirty="0" smtClean="0">
-                      <a:solidFill>
-                        <a:srgbClr val="FF0000"/>
-                      </a:solidFill>
-                    </a:rPr>
-                    <a:t>-1</a:t>
-                  </a:r>
-                </a:p>
-              </p:txBody>
-            </p:sp>
-            <p:sp>
-              <p:nvSpPr>
-                <p:cNvPr id="12" name="左大括号 11"/>
-                <p:cNvSpPr/>
-                <p:nvPr/>
-              </p:nvSpPr>
-              <p:spPr>
-                <a:xfrm rot="16200000">
-                  <a:off x="4475167" y="2316048"/>
-                  <a:ext cx="522438" cy="2445250"/>
-                </a:xfrm>
-                <a:prstGeom prst="leftBrace">
-                  <a:avLst>
-                    <a:gd name="adj1" fmla="val 8333"/>
-                    <a:gd name="adj2" fmla="val 51834"/>
-                  </a:avLst>
-                </a:prstGeom>
-              </p:spPr>
-              <p:style>
-                <a:lnRef idx="1">
-                  <a:schemeClr val="accent1"/>
-                </a:lnRef>
-                <a:fillRef idx="0">
-                  <a:schemeClr val="accent1"/>
-                </a:fillRef>
-                <a:effectRef idx="0">
-                  <a:schemeClr val="accent1"/>
-                </a:effectRef>
-                <a:fontRef idx="minor">
-                  <a:schemeClr val="tx1"/>
-                </a:fontRef>
-              </p:style>
-              <p:txBody>
-                <a:bodyPr rtlCol="0" anchor="ctr"/>
-                <a:lstStyle/>
-                <a:p>
-                  <a:pPr algn="ctr"/>
-                  <a:endParaRPr kumimoji="1" lang="zh-CN" altLang="en-US"/>
-                </a:p>
-              </p:txBody>
-            </p:sp>
-            <p:sp>
-              <p:nvSpPr>
-                <p:cNvPr id="13" name="文本框 12"/>
-                <p:cNvSpPr txBox="1"/>
-                <p:nvPr/>
-              </p:nvSpPr>
-              <p:spPr>
-                <a:xfrm>
-                  <a:off x="3633825" y="3811555"/>
-                  <a:ext cx="2738250" cy="1477328"/>
-                </a:xfrm>
-                <a:prstGeom prst="rect">
-                  <a:avLst/>
-                </a:prstGeom>
-                <a:noFill/>
-              </p:spPr>
-              <p:txBody>
-                <a:bodyPr wrap="none" rtlCol="0">
-                  <a:spAutoFit/>
-                </a:bodyPr>
-                <a:lstStyle/>
-                <a:p>
-                  <a:r>
-                    <a:rPr kumimoji="1" lang="zh-CN" altLang="en-US" dirty="0" smtClean="0"/>
-                    <a:t>每个</a:t>
-                  </a:r>
-                  <a:r>
-                    <a:rPr kumimoji="1" lang="en-US" altLang="zh-CN" dirty="0" smtClean="0"/>
-                    <a:t>component </a:t>
-                  </a:r>
-                </a:p>
-                <a:p>
-                  <a:r>
-                    <a:rPr kumimoji="1" lang="zh-CN" altLang="en-US" dirty="0" smtClean="0"/>
-                    <a:t>当前的是否有</a:t>
-                  </a:r>
-                  <a:endParaRPr kumimoji="1" lang="en-US" altLang="zh-CN" dirty="0" smtClean="0"/>
-                </a:p>
-                <a:p>
-                  <a:r>
-                    <a:rPr kumimoji="1" lang="zh-CN" altLang="en-US" dirty="0" smtClean="0"/>
-                    <a:t>堵塞</a:t>
-                  </a:r>
-                  <a:r>
-                    <a:rPr kumimoji="1" lang="en-US" altLang="zh-CN" dirty="0" smtClean="0"/>
-                    <a:t>channel</a:t>
-                  </a:r>
-                </a:p>
-                <a:p>
-                  <a:r>
-                    <a:rPr kumimoji="1" lang="en-US" altLang="zh-CN" dirty="0" smtClean="0"/>
-                    <a:t>(</a:t>
-                  </a:r>
-                  <a:r>
-                    <a:rPr kumimoji="1" lang="zh-CN" altLang="en-US" dirty="0" smtClean="0">
-                      <a:solidFill>
-                        <a:srgbClr val="FF0000"/>
-                      </a:solidFill>
-                    </a:rPr>
-                    <a:t>当整个系统都没有</a:t>
-                  </a:r>
-                  <a:endParaRPr kumimoji="1" lang="en-US" altLang="zh-CN" dirty="0" smtClean="0">
-                    <a:solidFill>
-                      <a:srgbClr val="FF0000"/>
-                    </a:solidFill>
-                  </a:endParaRPr>
-                </a:p>
-                <a:p>
-                  <a:r>
-                    <a:rPr kumimoji="1" lang="en-US" altLang="zh-CN" dirty="0" smtClean="0">
-                      <a:solidFill>
-                        <a:srgbClr val="FF0000"/>
-                      </a:solidFill>
-                    </a:rPr>
-                    <a:t>Channel </a:t>
-                  </a:r>
-                  <a:r>
-                    <a:rPr kumimoji="1" lang="zh-CN" altLang="en-US" dirty="0" smtClean="0">
-                      <a:solidFill>
-                        <a:srgbClr val="FF0000"/>
-                      </a:solidFill>
-                    </a:rPr>
-                    <a:t>时这一部分省略</a:t>
-                  </a:r>
-                  <a:r>
-                    <a:rPr kumimoji="1" lang="en-US" altLang="zh-CN" dirty="0" smtClean="0"/>
-                    <a:t>)</a:t>
-                  </a:r>
-                  <a:endParaRPr kumimoji="1" lang="zh-CN" altLang="en-US" dirty="0"/>
-                </a:p>
-              </p:txBody>
-            </p:sp>
-          </p:grpSp>
-          <p:sp>
-            <p:nvSpPr>
-              <p:cNvPr id="15" name="文本框 14"/>
-              <p:cNvSpPr txBox="1"/>
-              <p:nvPr/>
-            </p:nvSpPr>
-            <p:spPr>
-              <a:xfrm>
-                <a:off x="2521131" y="2939153"/>
-                <a:ext cx="646331" cy="369332"/>
-              </a:xfrm>
-              <a:prstGeom prst="rect">
-                <a:avLst/>
-              </a:prstGeom>
-              <a:noFill/>
-            </p:spPr>
-            <p:txBody>
-              <a:bodyPr wrap="none" rtlCol="0">
-                <a:spAutoFit/>
-              </a:bodyPr>
-              <a:lstStyle/>
-              <a:p>
-                <a:r>
-                  <a:rPr kumimoji="1" lang="zh-CN" altLang="en-US" smtClean="0"/>
-                  <a:t>位置</a:t>
-                </a:r>
-                <a:endParaRPr kumimoji="1" lang="zh-CN" altLang="en-US"/>
-              </a:p>
-            </p:txBody>
-          </p:sp>
-          <p:sp>
-            <p:nvSpPr>
-              <p:cNvPr id="16" name="文本框 15"/>
-              <p:cNvSpPr txBox="1"/>
-              <p:nvPr/>
-            </p:nvSpPr>
-            <p:spPr>
-              <a:xfrm>
-                <a:off x="4848593" y="2939153"/>
-                <a:ext cx="1107996" cy="369332"/>
-              </a:xfrm>
-              <a:prstGeom prst="rect">
-                <a:avLst/>
-              </a:prstGeom>
-              <a:noFill/>
-            </p:spPr>
-            <p:txBody>
-              <a:bodyPr wrap="none" rtlCol="0">
-                <a:spAutoFit/>
-              </a:bodyPr>
-              <a:lstStyle/>
-              <a:p>
-                <a:r>
-                  <a:rPr kumimoji="1" lang="zh-CN" altLang="en-US" smtClean="0"/>
-                  <a:t>通信状态</a:t>
-                </a:r>
-                <a:endParaRPr kumimoji="1" lang="zh-CN" altLang="en-US"/>
-              </a:p>
-            </p:txBody>
-          </p:sp>
           <p:sp>
             <p:nvSpPr>
               <p:cNvPr id="17" name="文本框 16"/>
@@ -5762,7 +5530,7 @@
             </p:nvSpPr>
             <p:spPr>
               <a:xfrm>
-                <a:off x="7083722" y="2935809"/>
+                <a:off x="5912885" y="2361044"/>
                 <a:ext cx="1508746" cy="369332"/>
               </a:xfrm>
               <a:prstGeom prst="rect">
@@ -5796,7 +5564,7 @@
             </p:nvSpPr>
             <p:spPr>
               <a:xfrm>
-                <a:off x="6781058" y="4567797"/>
+                <a:off x="5610221" y="3993032"/>
                 <a:ext cx="2289409" cy="646331"/>
               </a:xfrm>
               <a:prstGeom prst="rect">
@@ -5848,7 +5616,7 @@
             </p:nvSpPr>
             <p:spPr>
               <a:xfrm rot="16200000">
-                <a:off x="7589884" y="3072293"/>
+                <a:off x="6419047" y="2497528"/>
                 <a:ext cx="522438" cy="2445250"/>
               </a:xfrm>
               <a:prstGeom prst="leftBrace">
@@ -5881,322 +5649,322 @@
               </a:p>
             </p:txBody>
           </p:sp>
+          <p:sp>
+            <p:nvSpPr>
+              <p:cNvPr id="21" name="文本框 20"/>
+              <p:cNvSpPr txBox="1"/>
+              <p:nvPr/>
+            </p:nvSpPr>
+            <p:spPr>
+              <a:xfrm>
+                <a:off x="7785739" y="2139405"/>
+                <a:ext cx="973343" cy="646331"/>
+              </a:xfrm>
+              <a:prstGeom prst="rect">
+                <a:avLst/>
+              </a:prstGeom>
+              <a:noFill/>
+            </p:spPr>
+            <p:txBody>
+              <a:bodyPr wrap="none" rtlCol="0">
+                <a:spAutoFit/>
+              </a:bodyPr>
+              <a:lstStyle/>
+              <a:p>
+                <a:r>
+                  <a:rPr kumimoji="1" lang="en-US" altLang="zh-CN" dirty="0" smtClean="0"/>
+                  <a:t>Freeze</a:t>
+                </a:r>
+              </a:p>
+              <a:p>
+                <a:r>
+                  <a:rPr kumimoji="1" lang="en-US" altLang="zh-CN" dirty="0" smtClean="0"/>
+                  <a:t>location</a:t>
+                </a:r>
+                <a:endParaRPr kumimoji="1" lang="zh-CN" altLang="en-US" dirty="0"/>
+              </a:p>
+            </p:txBody>
+          </p:sp>
+          <p:sp>
+            <p:nvSpPr>
+              <p:cNvPr id="24" name="左大括号 23"/>
+              <p:cNvSpPr/>
+              <p:nvPr/>
+            </p:nvSpPr>
+            <p:spPr>
+              <a:xfrm rot="16200000">
+                <a:off x="7960856" y="3477185"/>
+                <a:ext cx="522438" cy="573334"/>
+              </a:xfrm>
+              <a:prstGeom prst="leftBrace">
+                <a:avLst>
+                  <a:gd name="adj1" fmla="val 8333"/>
+                  <a:gd name="adj2" fmla="val 51834"/>
+                </a:avLst>
+              </a:prstGeom>
+            </p:spPr>
+            <p:style>
+              <a:lnRef idx="1">
+                <a:schemeClr val="accent1"/>
+              </a:lnRef>
+              <a:fillRef idx="0">
+                <a:schemeClr val="accent1"/>
+              </a:fillRef>
+              <a:effectRef idx="0">
+                <a:schemeClr val="accent1"/>
+              </a:effectRef>
+              <a:fontRef idx="minor">
+                <a:schemeClr val="tx1"/>
+              </a:fontRef>
+            </p:style>
+            <p:txBody>
+              <a:bodyPr rtlCol="0" anchor="ctr"/>
+              <a:lstStyle/>
+              <a:p>
+                <a:pPr algn="ctr"/>
+                <a:endParaRPr kumimoji="1" lang="zh-CN" altLang="en-US"/>
+              </a:p>
+            </p:txBody>
+          </p:sp>
+          <p:sp>
+            <p:nvSpPr>
+              <p:cNvPr id="25" name="文本框 24"/>
+              <p:cNvSpPr txBox="1"/>
+              <p:nvPr/>
+            </p:nvSpPr>
+            <p:spPr>
+              <a:xfrm>
+                <a:off x="7694253" y="4051357"/>
+                <a:ext cx="1628972" cy="1477328"/>
+              </a:xfrm>
+              <a:prstGeom prst="rect">
+                <a:avLst/>
+              </a:prstGeom>
+              <a:noFill/>
+            </p:spPr>
+            <p:txBody>
+              <a:bodyPr wrap="none" rtlCol="0">
+                <a:spAutoFit/>
+              </a:bodyPr>
+              <a:lstStyle/>
+              <a:p>
+                <a:r>
+                  <a:rPr kumimoji="1" lang="en-US" altLang="zh-CN" dirty="0"/>
+                  <a:t> </a:t>
+                </a:r>
+                <a:r>
+                  <a:rPr kumimoji="1" lang="zh-CN" altLang="en-US" dirty="0" smtClean="0"/>
+                  <a:t>占一个</a:t>
+                </a:r>
+                <a:endParaRPr kumimoji="1" lang="en-US" altLang="zh-CN" dirty="0" smtClean="0"/>
+              </a:p>
+              <a:p>
+                <a:r>
+                  <a:rPr kumimoji="1" lang="zh-CN" altLang="en-US" dirty="0" smtClean="0"/>
+                  <a:t>位置，表明</a:t>
+                </a:r>
+                <a:endParaRPr kumimoji="1" lang="en-US" altLang="zh-CN" dirty="0" smtClean="0"/>
+              </a:p>
+              <a:p>
+                <a:r>
+                  <a:rPr kumimoji="1" lang="zh-CN" altLang="en-US" dirty="0" smtClean="0"/>
+                  <a:t>当时状态是否</a:t>
+                </a:r>
+                <a:endParaRPr kumimoji="1" lang="en-US" altLang="zh-CN" dirty="0" smtClean="0"/>
+              </a:p>
+              <a:p>
+                <a:r>
+                  <a:rPr kumimoji="1" lang="zh-CN" altLang="en-US" dirty="0" smtClean="0"/>
+                  <a:t>为</a:t>
+                </a:r>
+                <a:r>
+                  <a:rPr kumimoji="1" lang="en-US" altLang="zh-CN" dirty="0" smtClean="0"/>
+                  <a:t>Freeze time </a:t>
+                </a:r>
+              </a:p>
+              <a:p>
+                <a:r>
+                  <a:rPr kumimoji="1" lang="en-US" altLang="zh-CN" dirty="0" smtClean="0"/>
+                  <a:t>location</a:t>
+                </a:r>
+              </a:p>
+            </p:txBody>
+          </p:sp>
+          <p:sp>
+            <p:nvSpPr>
+              <p:cNvPr id="26" name="矩形 25"/>
+              <p:cNvSpPr/>
+              <p:nvPr/>
+            </p:nvSpPr>
+            <p:spPr>
+              <a:xfrm>
+                <a:off x="8541259" y="2896458"/>
+                <a:ext cx="2973512" cy="606175"/>
+              </a:xfrm>
+              <a:prstGeom prst="rect">
+                <a:avLst/>
+              </a:prstGeom>
+              <a:solidFill>
+                <a:srgbClr val="FFFF00"/>
+              </a:solidFill>
+            </p:spPr>
+            <p:style>
+              <a:lnRef idx="2">
+                <a:schemeClr val="accent1">
+                  <a:shade val="50000"/>
+                </a:schemeClr>
+              </a:lnRef>
+              <a:fillRef idx="1">
+                <a:schemeClr val="accent1"/>
+              </a:fillRef>
+              <a:effectRef idx="0">
+                <a:schemeClr val="accent1"/>
+              </a:effectRef>
+              <a:fontRef idx="minor">
+                <a:schemeClr val="lt1"/>
+              </a:fontRef>
+            </p:style>
+            <p:txBody>
+              <a:bodyPr rtlCol="0" anchor="ctr"/>
+              <a:lstStyle/>
+              <a:p>
+                <a:pPr algn="ctr"/>
+                <a:endParaRPr kumimoji="1" lang="zh-CN" altLang="en-US"/>
+              </a:p>
+            </p:txBody>
+          </p:sp>
+          <p:sp>
+            <p:nvSpPr>
+              <p:cNvPr id="27" name="文本框 26"/>
+              <p:cNvSpPr txBox="1"/>
+              <p:nvPr/>
+            </p:nvSpPr>
+            <p:spPr>
+              <a:xfrm>
+                <a:off x="9323225" y="2444084"/>
+                <a:ext cx="1249060" cy="369332"/>
+              </a:xfrm>
+              <a:prstGeom prst="rect">
+                <a:avLst/>
+              </a:prstGeom>
+              <a:noFill/>
+            </p:spPr>
+            <p:txBody>
+              <a:bodyPr wrap="none" rtlCol="0">
+                <a:spAutoFit/>
+              </a:bodyPr>
+              <a:lstStyle/>
+              <a:p>
+                <a:r>
+                  <a:rPr kumimoji="1" lang="en-US" altLang="zh-CN" dirty="0" smtClean="0"/>
+                  <a:t>Clock </a:t>
+                </a:r>
+                <a:r>
+                  <a:rPr kumimoji="1" lang="zh-CN" altLang="en-US" dirty="0" smtClean="0"/>
+                  <a:t>取值</a:t>
+                </a:r>
+                <a:endParaRPr kumimoji="1" lang="en-US" altLang="zh-CN" dirty="0" smtClean="0"/>
+              </a:p>
+            </p:txBody>
+          </p:sp>
+          <p:sp>
+            <p:nvSpPr>
+              <p:cNvPr id="28" name="文本框 27"/>
+              <p:cNvSpPr txBox="1"/>
+              <p:nvPr/>
+            </p:nvSpPr>
+            <p:spPr>
+              <a:xfrm>
+                <a:off x="9150254" y="4030849"/>
+                <a:ext cx="2133918" cy="923330"/>
+              </a:xfrm>
+              <a:prstGeom prst="rect">
+                <a:avLst/>
+              </a:prstGeom>
+              <a:noFill/>
+            </p:spPr>
+            <p:txBody>
+              <a:bodyPr wrap="none" rtlCol="0">
+                <a:spAutoFit/>
+              </a:bodyPr>
+              <a:lstStyle/>
+              <a:p>
+                <a:r>
+                  <a:rPr kumimoji="1" lang="zh-CN" altLang="en-US" dirty="0" smtClean="0"/>
+                  <a:t>每个</a:t>
+                </a:r>
+                <a:r>
+                  <a:rPr kumimoji="1" lang="en-US" altLang="zh-CN" dirty="0" smtClean="0"/>
+                  <a:t> component </a:t>
+                </a:r>
+              </a:p>
+              <a:p>
+                <a:r>
+                  <a:rPr kumimoji="1" lang="zh-CN" altLang="en-US" dirty="0" smtClean="0"/>
+                  <a:t>的每个</a:t>
+                </a:r>
+                <a:r>
+                  <a:rPr kumimoji="1" lang="en-US" altLang="zh-CN" dirty="0" smtClean="0"/>
+                  <a:t>clock </a:t>
+                </a:r>
+                <a:r>
+                  <a:rPr kumimoji="1" lang="zh-CN" altLang="en-US" dirty="0" smtClean="0"/>
+                  <a:t>的当前</a:t>
+                </a:r>
+                <a:endParaRPr kumimoji="1" lang="en-US" altLang="zh-CN" dirty="0" smtClean="0"/>
+              </a:p>
+              <a:p>
+                <a:r>
+                  <a:rPr kumimoji="1" lang="zh-CN" altLang="en-US" dirty="0" smtClean="0"/>
+                  <a:t>取值</a:t>
+                </a:r>
+                <a:endParaRPr kumimoji="1" lang="en-US" altLang="zh-CN" dirty="0" smtClean="0"/>
+              </a:p>
+            </p:txBody>
+          </p:sp>
+          <p:sp>
+            <p:nvSpPr>
+              <p:cNvPr id="29" name="左大括号 28"/>
+              <p:cNvSpPr/>
+              <p:nvPr/>
+            </p:nvSpPr>
+            <p:spPr>
+              <a:xfrm rot="16200000">
+                <a:off x="9750536" y="2249657"/>
+                <a:ext cx="522438" cy="2940992"/>
+              </a:xfrm>
+              <a:prstGeom prst="leftBrace">
+                <a:avLst>
+                  <a:gd name="adj1" fmla="val 8333"/>
+                  <a:gd name="adj2" fmla="val 51834"/>
+                </a:avLst>
+              </a:prstGeom>
+            </p:spPr>
+            <p:style>
+              <a:lnRef idx="1">
+                <a:schemeClr val="accent1"/>
+              </a:lnRef>
+              <a:fillRef idx="0">
+                <a:schemeClr val="accent1"/>
+              </a:fillRef>
+              <a:effectRef idx="0">
+                <a:schemeClr val="accent1"/>
+              </a:effectRef>
+              <a:fontRef idx="minor">
+                <a:schemeClr val="tx1"/>
+              </a:fontRef>
+            </p:style>
+            <p:txBody>
+              <a:bodyPr rtlCol="0" anchor="ctr"/>
+              <a:lstStyle/>
+              <a:p>
+                <a:pPr algn="ctr"/>
+                <a:endParaRPr kumimoji="1" lang="zh-CN" altLang="en-US"/>
+              </a:p>
+            </p:txBody>
+          </p:sp>
         </p:grpSp>
-        <p:sp>
-          <p:nvSpPr>
-            <p:cNvPr id="21" name="文本框 20"/>
-            <p:cNvSpPr txBox="1"/>
-            <p:nvPr/>
-          </p:nvSpPr>
-          <p:spPr>
-            <a:xfrm>
-              <a:off x="8060059" y="2583542"/>
-              <a:ext cx="973343" cy="646331"/>
-            </a:xfrm>
-            <a:prstGeom prst="rect">
-              <a:avLst/>
-            </a:prstGeom>
-            <a:noFill/>
-          </p:spPr>
-          <p:txBody>
-            <a:bodyPr wrap="none" rtlCol="0">
-              <a:spAutoFit/>
-            </a:bodyPr>
-            <a:lstStyle/>
-            <a:p>
-              <a:r>
-                <a:rPr kumimoji="1" lang="en-US" altLang="zh-CN" dirty="0" smtClean="0"/>
-                <a:t>Freeze</a:t>
-              </a:r>
-            </a:p>
-            <a:p>
-              <a:r>
-                <a:rPr kumimoji="1" lang="en-US" altLang="zh-CN" dirty="0" smtClean="0"/>
-                <a:t>location</a:t>
-              </a:r>
-              <a:endParaRPr kumimoji="1" lang="zh-CN" altLang="en-US" dirty="0"/>
-            </a:p>
-          </p:txBody>
-        </p:sp>
       </p:grpSp>
-      <p:sp>
-        <p:nvSpPr>
-          <p:cNvPr id="24" name="左大括号 23"/>
-          <p:cNvSpPr/>
-          <p:nvPr/>
-        </p:nvSpPr>
-        <p:spPr>
-          <a:xfrm rot="16200000">
-            <a:off x="7960856" y="3477185"/>
-            <a:ext cx="522438" cy="573334"/>
-          </a:xfrm>
-          <a:prstGeom prst="leftBrace">
-            <a:avLst>
-              <a:gd name="adj1" fmla="val 8333"/>
-              <a:gd name="adj2" fmla="val 51834"/>
-            </a:avLst>
-          </a:prstGeom>
-        </p:spPr>
-        <p:style>
-          <a:lnRef idx="1">
-            <a:schemeClr val="accent1"/>
-          </a:lnRef>
-          <a:fillRef idx="0">
-            <a:schemeClr val="accent1"/>
-          </a:fillRef>
-          <a:effectRef idx="0">
-            <a:schemeClr val="accent1"/>
-          </a:effectRef>
-          <a:fontRef idx="minor">
-            <a:schemeClr val="tx1"/>
-          </a:fontRef>
-        </p:style>
-        <p:txBody>
-          <a:bodyPr rtlCol="0" anchor="ctr"/>
-          <a:lstStyle/>
-          <a:p>
-            <a:pPr algn="ctr"/>
-            <a:endParaRPr kumimoji="1" lang="zh-CN" altLang="en-US"/>
-          </a:p>
-        </p:txBody>
-      </p:sp>
-      <p:sp>
-        <p:nvSpPr>
-          <p:cNvPr id="25" name="文本框 24"/>
-          <p:cNvSpPr txBox="1"/>
-          <p:nvPr/>
-        </p:nvSpPr>
-        <p:spPr>
-          <a:xfrm>
-            <a:off x="7694253" y="4051357"/>
-            <a:ext cx="1628972" cy="1477328"/>
-          </a:xfrm>
-          <a:prstGeom prst="rect">
-            <a:avLst/>
-          </a:prstGeom>
-          <a:noFill/>
-        </p:spPr>
-        <p:txBody>
-          <a:bodyPr wrap="none" rtlCol="0">
-            <a:spAutoFit/>
-          </a:bodyPr>
-          <a:lstStyle/>
-          <a:p>
-            <a:r>
-              <a:rPr kumimoji="1" lang="en-US" altLang="zh-CN" dirty="0"/>
-              <a:t> </a:t>
-            </a:r>
-            <a:r>
-              <a:rPr kumimoji="1" lang="zh-CN" altLang="en-US" dirty="0" smtClean="0"/>
-              <a:t>占一个</a:t>
-            </a:r>
-            <a:endParaRPr kumimoji="1" lang="en-US" altLang="zh-CN" dirty="0" smtClean="0"/>
-          </a:p>
-          <a:p>
-            <a:r>
-              <a:rPr kumimoji="1" lang="zh-CN" altLang="en-US" dirty="0" smtClean="0"/>
-              <a:t>位置，表明</a:t>
-            </a:r>
-            <a:endParaRPr kumimoji="1" lang="en-US" altLang="zh-CN" dirty="0" smtClean="0"/>
-          </a:p>
-          <a:p>
-            <a:r>
-              <a:rPr kumimoji="1" lang="zh-CN" altLang="en-US" dirty="0" smtClean="0"/>
-              <a:t>当时状态是否</a:t>
-            </a:r>
-            <a:endParaRPr kumimoji="1" lang="en-US" altLang="zh-CN" dirty="0" smtClean="0"/>
-          </a:p>
-          <a:p>
-            <a:r>
-              <a:rPr kumimoji="1" lang="zh-CN" altLang="en-US" dirty="0" smtClean="0"/>
-              <a:t>为</a:t>
-            </a:r>
-            <a:r>
-              <a:rPr kumimoji="1" lang="en-US" altLang="zh-CN" dirty="0" smtClean="0"/>
-              <a:t>Freeze time </a:t>
-            </a:r>
-          </a:p>
-          <a:p>
-            <a:r>
-              <a:rPr kumimoji="1" lang="en-US" altLang="zh-CN" dirty="0" smtClean="0"/>
-              <a:t>location</a:t>
-            </a:r>
-          </a:p>
-        </p:txBody>
-      </p:sp>
-      <p:sp>
-        <p:nvSpPr>
-          <p:cNvPr id="26" name="矩形 25"/>
-          <p:cNvSpPr/>
-          <p:nvPr/>
-        </p:nvSpPr>
-        <p:spPr>
-          <a:xfrm>
-            <a:off x="8508739" y="2841096"/>
-            <a:ext cx="2973512" cy="606175"/>
-          </a:xfrm>
-          <a:prstGeom prst="rect">
-            <a:avLst/>
-          </a:prstGeom>
-          <a:solidFill>
-            <a:srgbClr val="FFFF00"/>
-          </a:solidFill>
-        </p:spPr>
-        <p:style>
-          <a:lnRef idx="2">
-            <a:schemeClr val="accent1">
-              <a:shade val="50000"/>
-            </a:schemeClr>
-          </a:lnRef>
-          <a:fillRef idx="1">
-            <a:schemeClr val="accent1"/>
-          </a:fillRef>
-          <a:effectRef idx="0">
-            <a:schemeClr val="accent1"/>
-          </a:effectRef>
-          <a:fontRef idx="minor">
-            <a:schemeClr val="lt1"/>
-          </a:fontRef>
-        </p:style>
-        <p:txBody>
-          <a:bodyPr rtlCol="0" anchor="ctr"/>
-          <a:lstStyle/>
-          <a:p>
-            <a:pPr algn="ctr"/>
-            <a:endParaRPr kumimoji="1" lang="zh-CN" altLang="en-US"/>
-          </a:p>
-        </p:txBody>
-      </p:sp>
-      <p:sp>
-        <p:nvSpPr>
-          <p:cNvPr id="27" name="文本框 26"/>
-          <p:cNvSpPr txBox="1"/>
-          <p:nvPr/>
-        </p:nvSpPr>
-        <p:spPr>
-          <a:xfrm>
-            <a:off x="9323225" y="2444084"/>
-            <a:ext cx="1249060" cy="369332"/>
-          </a:xfrm>
-          <a:prstGeom prst="rect">
-            <a:avLst/>
-          </a:prstGeom>
-          <a:noFill/>
-        </p:spPr>
-        <p:txBody>
-          <a:bodyPr wrap="none" rtlCol="0">
-            <a:spAutoFit/>
-          </a:bodyPr>
-          <a:lstStyle/>
-          <a:p>
-            <a:r>
-              <a:rPr kumimoji="1" lang="en-US" altLang="zh-CN" dirty="0" smtClean="0"/>
-              <a:t>Clock </a:t>
-            </a:r>
-            <a:r>
-              <a:rPr kumimoji="1" lang="zh-CN" altLang="en-US" dirty="0" smtClean="0"/>
-              <a:t>取值</a:t>
-            </a:r>
-            <a:endParaRPr kumimoji="1" lang="en-US" altLang="zh-CN" dirty="0" smtClean="0"/>
-          </a:p>
-        </p:txBody>
-      </p:sp>
-      <p:sp>
-        <p:nvSpPr>
-          <p:cNvPr id="28" name="文本框 27"/>
-          <p:cNvSpPr txBox="1"/>
-          <p:nvPr/>
-        </p:nvSpPr>
-        <p:spPr>
-          <a:xfrm>
-            <a:off x="9150254" y="4030849"/>
-            <a:ext cx="2133918" cy="923330"/>
-          </a:xfrm>
-          <a:prstGeom prst="rect">
-            <a:avLst/>
-          </a:prstGeom>
-          <a:noFill/>
-        </p:spPr>
-        <p:txBody>
-          <a:bodyPr wrap="none" rtlCol="0">
-            <a:spAutoFit/>
-          </a:bodyPr>
-          <a:lstStyle/>
-          <a:p>
-            <a:r>
-              <a:rPr kumimoji="1" lang="zh-CN" altLang="en-US" dirty="0" smtClean="0"/>
-              <a:t>每个</a:t>
-            </a:r>
-            <a:r>
-              <a:rPr kumimoji="1" lang="en-US" altLang="zh-CN" dirty="0" smtClean="0"/>
-              <a:t> component </a:t>
-            </a:r>
-          </a:p>
-          <a:p>
-            <a:r>
-              <a:rPr kumimoji="1" lang="zh-CN" altLang="en-US" dirty="0" smtClean="0"/>
-              <a:t>的每个</a:t>
-            </a:r>
-            <a:r>
-              <a:rPr kumimoji="1" lang="en-US" altLang="zh-CN" dirty="0" smtClean="0"/>
-              <a:t>clock </a:t>
-            </a:r>
-            <a:r>
-              <a:rPr kumimoji="1" lang="zh-CN" altLang="en-US" dirty="0" smtClean="0"/>
-              <a:t>的当前</a:t>
-            </a:r>
-            <a:endParaRPr kumimoji="1" lang="en-US" altLang="zh-CN" dirty="0" smtClean="0"/>
-          </a:p>
-          <a:p>
-            <a:r>
-              <a:rPr kumimoji="1" lang="zh-CN" altLang="en-US" dirty="0" smtClean="0"/>
-              <a:t>取值</a:t>
-            </a:r>
-            <a:endParaRPr kumimoji="1" lang="en-US" altLang="zh-CN" dirty="0" smtClean="0"/>
-          </a:p>
-        </p:txBody>
-      </p:sp>
-      <p:sp>
-        <p:nvSpPr>
-          <p:cNvPr id="29" name="左大括号 28"/>
-          <p:cNvSpPr/>
-          <p:nvPr/>
-        </p:nvSpPr>
-        <p:spPr>
-          <a:xfrm rot="16200000">
-            <a:off x="9750536" y="2249657"/>
-            <a:ext cx="522438" cy="2940992"/>
-          </a:xfrm>
-          <a:prstGeom prst="leftBrace">
-            <a:avLst>
-              <a:gd name="adj1" fmla="val 8333"/>
-              <a:gd name="adj2" fmla="val 51834"/>
-            </a:avLst>
-          </a:prstGeom>
-        </p:spPr>
-        <p:style>
-          <a:lnRef idx="1">
-            <a:schemeClr val="accent1"/>
-          </a:lnRef>
-          <a:fillRef idx="0">
-            <a:schemeClr val="accent1"/>
-          </a:fillRef>
-          <a:effectRef idx="0">
-            <a:schemeClr val="accent1"/>
-          </a:effectRef>
-          <a:fontRef idx="minor">
-            <a:schemeClr val="tx1"/>
-          </a:fontRef>
-        </p:style>
-        <p:txBody>
-          <a:bodyPr rtlCol="0" anchor="ctr"/>
-          <a:lstStyle/>
-          <a:p>
-            <a:pPr algn="ctr"/>
-            <a:endParaRPr kumimoji="1" lang="zh-CN" altLang="en-US"/>
-          </a:p>
-        </p:txBody>
-      </p:sp>
     </p:spTree>
     <p:extLst>
       <p:ext uri="{BB962C8B-B14F-4D97-AF65-F5344CB8AC3E}">
@@ -6303,7 +6071,7 @@
         <p:spPr>
           <a:xfrm>
             <a:off x="783071" y="2471173"/>
-            <a:ext cx="2723823" cy="2862322"/>
+            <a:ext cx="2024913" cy="923330"/>
           </a:xfrm>
           <a:prstGeom prst="rect">
             <a:avLst/>
@@ -6341,248 +6109,6 @@
           </a:p>
           <a:p>
             <a:endParaRPr kumimoji="1" lang="en-US" altLang="zh-CN" dirty="0"/>
-          </a:p>
-          <a:p>
-            <a:r>
-              <a:rPr kumimoji="1" lang="en-US" altLang="zh-CN" dirty="0" smtClean="0"/>
-              <a:t>2.</a:t>
-            </a:r>
-            <a:r>
-              <a:rPr kumimoji="1" lang="zh-CN" altLang="en-US" dirty="0" smtClean="0"/>
-              <a:t>当相应的</a:t>
-            </a:r>
-            <a:r>
-              <a:rPr kumimoji="1" lang="en-US" altLang="zh-CN" dirty="0" smtClean="0"/>
-              <a:t>component</a:t>
-            </a:r>
-          </a:p>
-          <a:p>
-            <a:r>
-              <a:rPr kumimoji="1" lang="zh-CN" altLang="en-US" dirty="0" smtClean="0"/>
-              <a:t>堵塞时，其值为堵塞</a:t>
-            </a:r>
-            <a:endParaRPr kumimoji="1" lang="en-US" altLang="zh-CN" dirty="0" smtClean="0"/>
-          </a:p>
-          <a:p>
-            <a:r>
-              <a:rPr kumimoji="1" lang="zh-CN" altLang="en-US" dirty="0" smtClean="0"/>
-              <a:t>的</a:t>
-            </a:r>
-            <a:r>
-              <a:rPr kumimoji="1" lang="en-US" altLang="zh-CN" dirty="0" smtClean="0"/>
-              <a:t>link</a:t>
-            </a:r>
-            <a:r>
-              <a:rPr kumimoji="1" lang="zh-CN" altLang="en-US" dirty="0" smtClean="0"/>
-              <a:t>值</a:t>
-            </a:r>
-            <a:endParaRPr kumimoji="1" lang="en-US" altLang="zh-CN" dirty="0" smtClean="0"/>
-          </a:p>
-          <a:p>
-            <a:endParaRPr kumimoji="1" lang="zh-CN" altLang="en-US" dirty="0" smtClean="0"/>
-          </a:p>
-          <a:p>
-            <a:r>
-              <a:rPr kumimoji="1" lang="en-US" altLang="zh-CN" dirty="0" smtClean="0"/>
-              <a:t>3.</a:t>
-            </a:r>
-            <a:r>
-              <a:rPr kumimoji="1" lang="zh-CN" altLang="en-US" dirty="0" smtClean="0"/>
-              <a:t> 当相应位置为</a:t>
-            </a:r>
-            <a:r>
-              <a:rPr kumimoji="1" lang="en-US" altLang="zh-CN" dirty="0" smtClean="0"/>
-              <a:t>commit</a:t>
-            </a:r>
-          </a:p>
-          <a:p>
-            <a:r>
-              <a:rPr kumimoji="1" lang="zh-CN" altLang="en-US" dirty="0" smtClean="0"/>
-              <a:t>位置时，</a:t>
-            </a:r>
-            <a:r>
-              <a:rPr kumimoji="1" lang="zh-CN" altLang="en-US" dirty="0" smtClean="0">
-                <a:solidFill>
-                  <a:srgbClr val="FF0000"/>
-                </a:solidFill>
-              </a:rPr>
-              <a:t>其值为当前位置</a:t>
-            </a:r>
-            <a:endParaRPr kumimoji="1" lang="en-US" altLang="zh-CN" dirty="0" smtClean="0">
-              <a:solidFill>
-                <a:srgbClr val="FF0000"/>
-              </a:solidFill>
-            </a:endParaRPr>
-          </a:p>
-          <a:p>
-            <a:r>
-              <a:rPr kumimoji="1" lang="zh-CN" altLang="en-US" dirty="0" smtClean="0">
-                <a:solidFill>
-                  <a:srgbClr val="FF0000"/>
-                </a:solidFill>
-              </a:rPr>
-              <a:t>的</a:t>
-            </a:r>
-            <a:r>
-              <a:rPr kumimoji="1" lang="zh-CN" altLang="en-US" dirty="0" smtClean="0">
-                <a:solidFill>
-                  <a:srgbClr val="FF0000"/>
-                </a:solidFill>
-              </a:rPr>
-              <a:t>相反数 </a:t>
-            </a:r>
-            <a:r>
-              <a:rPr kumimoji="1" lang="en-US" altLang="zh-CN" dirty="0" smtClean="0">
-                <a:solidFill>
-                  <a:srgbClr val="FF0000"/>
-                </a:solidFill>
-              </a:rPr>
-              <a:t>-1</a:t>
-            </a:r>
-            <a:endParaRPr kumimoji="1" lang="en-US" altLang="zh-CN" dirty="0" smtClean="0">
-              <a:solidFill>
-                <a:srgbClr val="FF0000"/>
-              </a:solidFill>
-            </a:endParaRPr>
-          </a:p>
-        </p:txBody>
-      </p:sp>
-      <p:sp>
-        <p:nvSpPr>
-          <p:cNvPr id="6" name="文本框 5"/>
-          <p:cNvSpPr txBox="1"/>
-          <p:nvPr/>
-        </p:nvSpPr>
-        <p:spPr>
-          <a:xfrm>
-            <a:off x="3934047" y="4470094"/>
-            <a:ext cx="4857420" cy="1754326"/>
-          </a:xfrm>
-          <a:prstGeom prst="rect">
-            <a:avLst/>
-          </a:prstGeom>
-          <a:noFill/>
-        </p:spPr>
-        <p:txBody>
-          <a:bodyPr wrap="none" rtlCol="0">
-            <a:spAutoFit/>
-          </a:bodyPr>
-          <a:lstStyle/>
-          <a:p>
-            <a:r>
-              <a:rPr kumimoji="1" lang="en-US" altLang="zh-CN" dirty="0" smtClean="0">
-                <a:solidFill>
-                  <a:srgbClr val="FF0000"/>
-                </a:solidFill>
-              </a:rPr>
-              <a:t>Commit </a:t>
-            </a:r>
-            <a:r>
-              <a:rPr kumimoji="1" lang="zh-CN" altLang="en-US" dirty="0" smtClean="0">
-                <a:solidFill>
-                  <a:srgbClr val="FF0000"/>
-                </a:solidFill>
-              </a:rPr>
-              <a:t>注意</a:t>
-            </a:r>
-            <a:r>
-              <a:rPr kumimoji="1" lang="en-US" altLang="zh-CN" dirty="0" smtClean="0">
-                <a:solidFill>
-                  <a:srgbClr val="FF0000"/>
-                </a:solidFill>
-              </a:rPr>
-              <a:t>1: </a:t>
-            </a:r>
-            <a:r>
-              <a:rPr kumimoji="1" lang="zh-CN" altLang="en-US" dirty="0" smtClean="0"/>
-              <a:t>当当前位置的值为节点</a:t>
-            </a:r>
-            <a:r>
-              <a:rPr kumimoji="1" lang="en-US" altLang="zh-CN" dirty="0" smtClean="0"/>
-              <a:t>ID </a:t>
-            </a:r>
-            <a:r>
-              <a:rPr kumimoji="1" lang="zh-CN" altLang="en-US" dirty="0" smtClean="0"/>
-              <a:t>时</a:t>
-            </a:r>
-            <a:endParaRPr kumimoji="1" lang="en-US" altLang="zh-CN" dirty="0" smtClean="0"/>
-          </a:p>
-          <a:p>
-            <a:r>
-              <a:rPr kumimoji="1" lang="zh-CN" altLang="en-US" dirty="0" smtClean="0"/>
-              <a:t>值为</a:t>
-            </a:r>
-            <a:r>
-              <a:rPr kumimoji="1" lang="en-US" altLang="zh-CN" dirty="0" smtClean="0"/>
-              <a:t>-</a:t>
-            </a:r>
-            <a:r>
-              <a:rPr kumimoji="1" lang="zh-CN" altLang="en-US" dirty="0" smtClean="0"/>
-              <a:t>节点</a:t>
-            </a:r>
-            <a:r>
-              <a:rPr kumimoji="1" lang="en-US" altLang="zh-CN" dirty="0" smtClean="0"/>
-              <a:t>-1, </a:t>
-            </a:r>
-          </a:p>
-          <a:p>
-            <a:endParaRPr kumimoji="1" lang="en-US" altLang="zh-CN" dirty="0"/>
-          </a:p>
-          <a:p>
-            <a:r>
-              <a:rPr kumimoji="1" lang="zh-CN" altLang="en-US" dirty="0" smtClean="0"/>
-              <a:t>当当前位置堵塞时值为</a:t>
-            </a:r>
-            <a:r>
-              <a:rPr kumimoji="1" lang="en-US" altLang="zh-CN" dirty="0" smtClean="0"/>
-              <a:t> </a:t>
-            </a:r>
-            <a:r>
-              <a:rPr kumimoji="1" lang="zh-CN" altLang="en-US" dirty="0" smtClean="0"/>
-              <a:t>堵塞</a:t>
-            </a:r>
-            <a:r>
-              <a:rPr kumimoji="1" lang="en-US" altLang="zh-CN" dirty="0" smtClean="0"/>
-              <a:t>link ID</a:t>
-            </a:r>
-            <a:r>
-              <a:rPr kumimoji="1" lang="zh-CN" altLang="en-US" dirty="0" smtClean="0"/>
-              <a:t>的乘以</a:t>
-            </a:r>
-            <a:r>
-              <a:rPr kumimoji="1" lang="en-US" altLang="zh-CN" dirty="0" smtClean="0"/>
-              <a:t>-1 </a:t>
-            </a:r>
-            <a:r>
-              <a:rPr kumimoji="1" lang="zh-CN" altLang="en-US" dirty="0" smtClean="0"/>
-              <a:t>再</a:t>
-            </a:r>
-            <a:endParaRPr kumimoji="1" lang="en-US" altLang="zh-CN" dirty="0" smtClean="0"/>
-          </a:p>
-          <a:p>
-            <a:r>
-              <a:rPr kumimoji="1" lang="zh-CN" altLang="en-US" dirty="0" smtClean="0"/>
-              <a:t>减</a:t>
-            </a:r>
-            <a:r>
-              <a:rPr kumimoji="1" lang="en-US" altLang="zh-CN" dirty="0" smtClean="0"/>
-              <a:t>1.</a:t>
-            </a:r>
-          </a:p>
-          <a:p>
-            <a:r>
-              <a:rPr kumimoji="1" lang="zh-CN" altLang="en-US" dirty="0" smtClean="0">
-                <a:solidFill>
-                  <a:srgbClr val="FF0000"/>
-                </a:solidFill>
-              </a:rPr>
-              <a:t>  </a:t>
-            </a:r>
-            <a:endParaRPr kumimoji="1" lang="zh-CN" altLang="en-US" dirty="0">
-              <a:solidFill>
-                <a:srgbClr val="FF0000"/>
-              </a:solidFill>
-            </a:endParaRPr>
           </a:p>
         </p:txBody>
       </p:sp>

--- a/Graph model.pptx
+++ b/Graph model.pptx
@@ -5965,6 +5965,161 @@
           </p:sp>
         </p:grpSp>
       </p:grpSp>
+      <p:sp>
+        <p:nvSpPr>
+          <p:cNvPr id="30" name="矩形 29"/>
+          <p:cNvSpPr/>
+          <p:nvPr/>
+        </p:nvSpPr>
+        <p:spPr>
+          <a:xfrm>
+            <a:off x="9066257" y="2826263"/>
+            <a:ext cx="609109" cy="606175"/>
+          </a:xfrm>
+          <a:prstGeom prst="rect">
+            <a:avLst/>
+          </a:prstGeom>
+          <a:solidFill>
+            <a:srgbClr val="00B050"/>
+          </a:solidFill>
+        </p:spPr>
+        <p:style>
+          <a:lnRef idx="2">
+            <a:schemeClr val="accent1">
+              <a:shade val="50000"/>
+            </a:schemeClr>
+          </a:lnRef>
+          <a:fillRef idx="1">
+            <a:schemeClr val="accent1"/>
+          </a:fillRef>
+          <a:effectRef idx="0">
+            <a:schemeClr val="accent1"/>
+          </a:effectRef>
+          <a:fontRef idx="minor">
+            <a:schemeClr val="lt1"/>
+          </a:fontRef>
+        </p:style>
+        <p:txBody>
+          <a:bodyPr rtlCol="0" anchor="ctr"/>
+          <a:lstStyle/>
+          <a:p>
+            <a:pPr algn="ctr"/>
+            <a:endParaRPr kumimoji="1" lang="zh-CN" altLang="en-US"/>
+          </a:p>
+        </p:txBody>
+      </p:sp>
+      <p:sp>
+        <p:nvSpPr>
+          <p:cNvPr id="31" name="左大括号 30"/>
+          <p:cNvSpPr/>
+          <p:nvPr/>
+        </p:nvSpPr>
+        <p:spPr>
+          <a:xfrm rot="16200000">
+            <a:off x="9124225" y="3386692"/>
+            <a:ext cx="522438" cy="573334"/>
+          </a:xfrm>
+          <a:prstGeom prst="leftBrace">
+            <a:avLst>
+              <a:gd name="adj1" fmla="val 8333"/>
+              <a:gd name="adj2" fmla="val 51834"/>
+            </a:avLst>
+          </a:prstGeom>
+        </p:spPr>
+        <p:style>
+          <a:lnRef idx="1">
+            <a:schemeClr val="accent1"/>
+          </a:lnRef>
+          <a:fillRef idx="0">
+            <a:schemeClr val="accent1"/>
+          </a:fillRef>
+          <a:effectRef idx="0">
+            <a:schemeClr val="accent1"/>
+          </a:effectRef>
+          <a:fontRef idx="minor">
+            <a:schemeClr val="tx1"/>
+          </a:fontRef>
+        </p:style>
+        <p:txBody>
+          <a:bodyPr rtlCol="0" anchor="ctr"/>
+          <a:lstStyle/>
+          <a:p>
+            <a:pPr algn="ctr"/>
+            <a:endParaRPr kumimoji="1" lang="zh-CN" altLang="en-US"/>
+          </a:p>
+        </p:txBody>
+      </p:sp>
+      <p:sp>
+        <p:nvSpPr>
+          <p:cNvPr id="32" name="文本框 31"/>
+          <p:cNvSpPr txBox="1"/>
+          <p:nvPr/>
+        </p:nvSpPr>
+        <p:spPr>
+          <a:xfrm>
+            <a:off x="8690660" y="3968470"/>
+            <a:ext cx="2478564" cy="1200329"/>
+          </a:xfrm>
+          <a:prstGeom prst="rect">
+            <a:avLst/>
+          </a:prstGeom>
+          <a:noFill/>
+        </p:spPr>
+        <p:txBody>
+          <a:bodyPr wrap="none" rtlCol="0">
+            <a:spAutoFit/>
+          </a:bodyPr>
+          <a:lstStyle/>
+          <a:p>
+            <a:r>
+              <a:rPr kumimoji="1" lang="en-US" altLang="zh-CN" dirty="0"/>
+              <a:t> </a:t>
+            </a:r>
+            <a:r>
+              <a:rPr kumimoji="1" lang="zh-CN" altLang="en-US" dirty="0" smtClean="0"/>
+              <a:t>占一个</a:t>
+            </a:r>
+            <a:endParaRPr kumimoji="1" lang="en-US" altLang="zh-CN" dirty="0" smtClean="0"/>
+          </a:p>
+          <a:p>
+            <a:r>
+              <a:rPr kumimoji="1" lang="zh-CN" altLang="en-US" dirty="0" smtClean="0"/>
+              <a:t>位置</a:t>
+            </a:r>
+            <a:r>
+              <a:rPr kumimoji="1" lang="zh-CN" altLang="en-US" dirty="0" smtClean="0"/>
+              <a:t>，这个状态的父</a:t>
+            </a:r>
+            <a:endParaRPr kumimoji="1" lang="en-US" altLang="zh-CN" dirty="0" smtClean="0"/>
+          </a:p>
+          <a:p>
+            <a:r>
+              <a:rPr kumimoji="1" lang="zh-CN" altLang="en-US" dirty="0" smtClean="0"/>
+              <a:t>状态的</a:t>
+            </a:r>
+            <a:r>
+              <a:rPr kumimoji="1" lang="en-US" altLang="zh-CN" dirty="0" smtClean="0"/>
+              <a:t>ID</a:t>
+            </a:r>
+            <a:r>
+              <a:rPr kumimoji="1" lang="zh-CN" altLang="en-US" dirty="0" smtClean="0"/>
+              <a:t>号，如果是第</a:t>
+            </a:r>
+            <a:endParaRPr kumimoji="1" lang="en-US" altLang="zh-CN" dirty="0" smtClean="0"/>
+          </a:p>
+          <a:p>
+            <a:r>
+              <a:rPr kumimoji="1" lang="zh-CN" altLang="en-US" dirty="0" smtClean="0"/>
+              <a:t>一状态则把值设为</a:t>
+            </a:r>
+            <a:r>
+              <a:rPr kumimoji="1" lang="en-US" altLang="zh-CN" dirty="0" smtClean="0"/>
+              <a:t>-1.</a:t>
+            </a:r>
+            <a:endParaRPr kumimoji="1" lang="en-US" altLang="zh-CN" dirty="0" smtClean="0"/>
+          </a:p>
+        </p:txBody>
+      </p:sp>
     </p:spTree>
     <p:extLst>
       <p:ext uri="{BB962C8B-B14F-4D97-AF65-F5344CB8AC3E}">
